--- a/obhajoby/zima.pptx
+++ b/obhajoby/zima.pptx
@@ -15,6 +15,7 @@
     <p:sldId id="259" r:id="rId8"/>
     <p:sldId id="260" r:id="rId9"/>
     <p:sldId id="261" r:id="rId10"/>
+    <p:sldId id="262" r:id="rId11"/>
   </p:sldIdLst>
   <p:sldSz cx="9144000" cy="6858000"/>
   <p:notesSz cx="6858000" cy="9144000"/>
@@ -50,8 +51,8 @@
         </p:nvSpPr>
         <p:spPr>
           <a:xfrm>
-            <a:off x="756000" y="5078520"/>
-            <a:ext cx="6047640" cy="4811040"/>
+            <a:off x="777240" y="4777560"/>
+            <a:ext cx="6217560" cy="4525920"/>
           </a:xfrm>
           <a:prstGeom prst="rect">
             <a:avLst/>
@@ -64,7 +65,19 @@
               <a:rPr b="0" lang="en-US" sz="2000" spc="-1" strike="noStrike">
                 <a:latin typeface="Arial"/>
               </a:rPr>
-              <a:t>Click to edit the notes format</a:t>
+              <a:t>Click to edit </a:t>
+            </a:r>
+            <a:r>
+              <a:rPr b="0" lang="en-US" sz="2000" spc="-1" strike="noStrike">
+                <a:latin typeface="Arial"/>
+              </a:rPr>
+              <a:t>the notes </a:t>
+            </a:r>
+            <a:r>
+              <a:rPr b="0" lang="en-US" sz="2000" spc="-1" strike="noStrike">
+                <a:latin typeface="Arial"/>
+              </a:rPr>
+              <a:t>format</a:t>
             </a:r>
             <a:endParaRPr b="0" lang="en-US" sz="2000" spc="-1" strike="noStrike">
               <a:latin typeface="Arial"/>
@@ -84,8 +97,8 @@
         </p:nvSpPr>
         <p:spPr>
           <a:xfrm>
-            <a:off x="1512000" y="5880600"/>
-            <a:ext cx="6047640" cy="4811040"/>
+            <a:off x="0" y="0"/>
+            <a:ext cx="3372840" cy="502560"/>
           </a:xfrm>
           <a:prstGeom prst="rect">
             <a:avLst/>
@@ -118,8 +131,8 @@
         </p:nvSpPr>
         <p:spPr>
           <a:xfrm>
-            <a:off x="0" y="10157400"/>
-            <a:ext cx="3280680" cy="534240"/>
+            <a:off x="4399200" y="0"/>
+            <a:ext cx="3372840" cy="502560"/>
           </a:xfrm>
           <a:prstGeom prst="rect">
             <a:avLst/>
@@ -153,8 +166,8 @@
         </p:nvSpPr>
         <p:spPr>
           <a:xfrm>
-            <a:off x="0" y="0"/>
-            <a:ext cx="3280680" cy="534240"/>
+            <a:off x="0" y="9555480"/>
+            <a:ext cx="3372840" cy="502560"/>
           </a:xfrm>
           <a:prstGeom prst="rect">
             <a:avLst/>
@@ -187,8 +200,8 @@
         </p:nvSpPr>
         <p:spPr>
           <a:xfrm>
-            <a:off x="4278960" y="0"/>
-            <a:ext cx="3280680" cy="534240"/>
+            <a:off x="4399200" y="9555480"/>
+            <a:ext cx="3372840" cy="502560"/>
           </a:xfrm>
           <a:prstGeom prst="rect">
             <a:avLst/>
@@ -198,7 +211,7 @@
           <a:bodyPr lIns="0" rIns="0" tIns="0" bIns="0" anchor="b"/>
           <a:p>
             <a:pPr algn="r"/>
-            <a:fld id="{67A2274F-7368-4606-9DE1-4B9CE4719243}" type="slidenum">
+            <a:fld id="{18102CAA-E833-4D3C-B282-F4608EB2CD42}" type="slidenum">
               <a:rPr b="0" lang="en-US" sz="1400" spc="-1" strike="noStrike">
                 <a:latin typeface="Times New Roman"/>
               </a:rPr>
@@ -235,7 +248,7 @@
       </p:grpSpPr>
       <p:sp>
         <p:nvSpPr>
-          <p:cNvPr id="103" name="PlaceHolder 1"/>
+          <p:cNvPr id="118" name="PlaceHolder 1"/>
           <p:cNvSpPr>
             <a:spLocks noGrp="1"/>
           </p:cNvSpPr>
@@ -246,7 +259,7 @@
         <p:spPr>
           <a:xfrm>
             <a:off x="685800" y="4343400"/>
-            <a:ext cx="5485680" cy="4114080"/>
+            <a:ext cx="5484960" cy="4113360"/>
           </a:xfrm>
           <a:prstGeom prst="rect">
             <a:avLst/>
@@ -263,14 +276,14 @@
       </p:sp>
       <p:sp>
         <p:nvSpPr>
-          <p:cNvPr id="104" name="CustomShape 2"/>
+          <p:cNvPr id="119" name="CustomShape 2"/>
           <p:cNvSpPr/>
           <p:nvPr/>
         </p:nvSpPr>
         <p:spPr>
           <a:xfrm>
             <a:off x="3884760" y="8685360"/>
-            <a:ext cx="2971080" cy="456480"/>
+            <a:ext cx="2970360" cy="455760"/>
           </a:xfrm>
           <a:prstGeom prst="rect">
             <a:avLst/>
@@ -294,7 +307,7 @@
                 <a:spcPct val="100000"/>
               </a:lnSpc>
             </a:pPr>
-            <a:fld id="{E93ADBBC-CB89-4531-B14A-3180E534E956}" type="slidenum">
+            <a:fld id="{AB623699-56BC-4FCB-AC7D-BF7A995D256D}" type="slidenum">
               <a:rPr b="0" lang="en-US" sz="1200" spc="-1" strike="noStrike">
                 <a:solidFill>
                   <a:srgbClr val="000000"/>
@@ -302,7 +315,7 @@
                 <a:latin typeface="+mn-lt"/>
                 <a:ea typeface="+mn-ea"/>
               </a:rPr>
-              <a:t>&lt;number&gt;</a:t>
+              <a:t>1</a:t>
             </a:fld>
             <a:endParaRPr b="0" lang="en-US" sz="1200" spc="-1" strike="noStrike">
               <a:latin typeface="Arial"/>
@@ -334,7 +347,7 @@
       </p:grpSpPr>
       <p:sp>
         <p:nvSpPr>
-          <p:cNvPr id="105" name="PlaceHolder 1"/>
+          <p:cNvPr id="120" name="PlaceHolder 1"/>
           <p:cNvSpPr>
             <a:spLocks noGrp="1"/>
           </p:cNvSpPr>
@@ -345,7 +358,7 @@
         <p:spPr>
           <a:xfrm>
             <a:off x="685800" y="4343400"/>
-            <a:ext cx="5485680" cy="4114080"/>
+            <a:ext cx="5484960" cy="4113360"/>
           </a:xfrm>
           <a:prstGeom prst="rect">
             <a:avLst/>
@@ -362,14 +375,14 @@
       </p:sp>
       <p:sp>
         <p:nvSpPr>
-          <p:cNvPr id="106" name="CustomShape 2"/>
+          <p:cNvPr id="121" name="CustomShape 2"/>
           <p:cNvSpPr/>
           <p:nvPr/>
         </p:nvSpPr>
         <p:spPr>
           <a:xfrm>
             <a:off x="3884760" y="8685360"/>
-            <a:ext cx="2971080" cy="456480"/>
+            <a:ext cx="2970360" cy="455760"/>
           </a:xfrm>
           <a:prstGeom prst="rect">
             <a:avLst/>
@@ -393,7 +406,7 @@
                 <a:spcPct val="100000"/>
               </a:lnSpc>
             </a:pPr>
-            <a:fld id="{B7F6B90B-D7BE-4BBB-AA3C-2E33ED919162}" type="slidenum">
+            <a:fld id="{EB9C3874-FC19-4AE6-901C-1BD2F6FDD2B3}" type="slidenum">
               <a:rPr b="0" lang="en-US" sz="1200" spc="-1" strike="noStrike">
                 <a:solidFill>
                   <a:srgbClr val="000000"/>
@@ -401,7 +414,7 @@
                 <a:latin typeface="+mn-lt"/>
                 <a:ea typeface="+mn-ea"/>
               </a:rPr>
-              <a:t>&lt;number&gt;</a:t>
+              <a:t>1</a:t>
             </a:fld>
             <a:endParaRPr b="0" lang="en-US" sz="1200" spc="-1" strike="noStrike">
               <a:latin typeface="Arial"/>
@@ -433,7 +446,7 @@
       </p:grpSpPr>
       <p:sp>
         <p:nvSpPr>
-          <p:cNvPr id="107" name="PlaceHolder 1"/>
+          <p:cNvPr id="122" name="PlaceHolder 1"/>
           <p:cNvSpPr>
             <a:spLocks noGrp="1"/>
           </p:cNvSpPr>
@@ -444,7 +457,7 @@
         <p:spPr>
           <a:xfrm>
             <a:off x="685800" y="4343400"/>
-            <a:ext cx="5485680" cy="4114080"/>
+            <a:ext cx="5484960" cy="4113360"/>
           </a:xfrm>
           <a:prstGeom prst="rect">
             <a:avLst/>
@@ -461,14 +474,14 @@
       </p:sp>
       <p:sp>
         <p:nvSpPr>
-          <p:cNvPr id="108" name="CustomShape 2"/>
+          <p:cNvPr id="123" name="CustomShape 2"/>
           <p:cNvSpPr/>
           <p:nvPr/>
         </p:nvSpPr>
         <p:spPr>
           <a:xfrm>
             <a:off x="3884760" y="8685360"/>
-            <a:ext cx="2971080" cy="456480"/>
+            <a:ext cx="2970360" cy="455760"/>
           </a:xfrm>
           <a:prstGeom prst="rect">
             <a:avLst/>
@@ -492,7 +505,7 @@
                 <a:spcPct val="100000"/>
               </a:lnSpc>
             </a:pPr>
-            <a:fld id="{549EA441-2EBB-4DC7-A4EA-D9792D4150D6}" type="slidenum">
+            <a:fld id="{5BE445F0-24DB-4D67-9023-13BA765338DA}" type="slidenum">
               <a:rPr b="0" lang="en-US" sz="1200" spc="-1" strike="noStrike">
                 <a:solidFill>
                   <a:srgbClr val="000000"/>
@@ -500,7 +513,7 @@
                 <a:latin typeface="+mn-lt"/>
                 <a:ea typeface="+mn-ea"/>
               </a:rPr>
-              <a:t>&lt;number&gt;</a:t>
+              <a:t>1</a:t>
             </a:fld>
             <a:endParaRPr b="0" lang="en-US" sz="1200" spc="-1" strike="noStrike">
               <a:latin typeface="Arial"/>
@@ -532,7 +545,7 @@
       </p:grpSpPr>
       <p:sp>
         <p:nvSpPr>
-          <p:cNvPr id="109" name="PlaceHolder 1"/>
+          <p:cNvPr id="124" name="PlaceHolder 1"/>
           <p:cNvSpPr>
             <a:spLocks noGrp="1"/>
           </p:cNvSpPr>
@@ -543,7 +556,7 @@
         <p:spPr>
           <a:xfrm>
             <a:off x="685800" y="4343400"/>
-            <a:ext cx="5485680" cy="4114080"/>
+            <a:ext cx="5484960" cy="4113360"/>
           </a:xfrm>
           <a:prstGeom prst="rect">
             <a:avLst/>
@@ -560,14 +573,14 @@
       </p:sp>
       <p:sp>
         <p:nvSpPr>
-          <p:cNvPr id="110" name="CustomShape 2"/>
+          <p:cNvPr id="125" name="CustomShape 2"/>
           <p:cNvSpPr/>
           <p:nvPr/>
         </p:nvSpPr>
         <p:spPr>
           <a:xfrm>
             <a:off x="3884760" y="8685360"/>
-            <a:ext cx="2971080" cy="456480"/>
+            <a:ext cx="2970360" cy="455760"/>
           </a:xfrm>
           <a:prstGeom prst="rect">
             <a:avLst/>
@@ -591,7 +604,7 @@
                 <a:spcPct val="100000"/>
               </a:lnSpc>
             </a:pPr>
-            <a:fld id="{F219C073-5261-4354-B062-F4DE768E5F8D}" type="slidenum">
+            <a:fld id="{E08E2ADD-F383-4287-87F7-AD38196B28CA}" type="slidenum">
               <a:rPr b="0" lang="en-US" sz="1200" spc="-1" strike="noStrike">
                 <a:solidFill>
                   <a:srgbClr val="000000"/>
@@ -599,7 +612,7 @@
                 <a:latin typeface="+mn-lt"/>
                 <a:ea typeface="+mn-ea"/>
               </a:rPr>
-              <a:t>&lt;number&gt;</a:t>
+              <a:t>1</a:t>
             </a:fld>
             <a:endParaRPr b="0" lang="en-US" sz="1200" spc="-1" strike="noStrike">
               <a:latin typeface="Arial"/>
@@ -631,7 +644,7 @@
       </p:grpSpPr>
       <p:sp>
         <p:nvSpPr>
-          <p:cNvPr id="111" name="PlaceHolder 1"/>
+          <p:cNvPr id="126" name="PlaceHolder 1"/>
           <p:cNvSpPr>
             <a:spLocks noGrp="1"/>
           </p:cNvSpPr>
@@ -642,7 +655,7 @@
         <p:spPr>
           <a:xfrm>
             <a:off x="685800" y="4343400"/>
-            <a:ext cx="5485680" cy="4114080"/>
+            <a:ext cx="5484960" cy="4113360"/>
           </a:xfrm>
           <a:prstGeom prst="rect">
             <a:avLst/>
@@ -659,14 +672,14 @@
       </p:sp>
       <p:sp>
         <p:nvSpPr>
-          <p:cNvPr id="112" name="CustomShape 2"/>
+          <p:cNvPr id="127" name="CustomShape 2"/>
           <p:cNvSpPr/>
           <p:nvPr/>
         </p:nvSpPr>
         <p:spPr>
           <a:xfrm>
             <a:off x="3884760" y="8685360"/>
-            <a:ext cx="2971080" cy="456480"/>
+            <a:ext cx="2970360" cy="455760"/>
           </a:xfrm>
           <a:prstGeom prst="rect">
             <a:avLst/>
@@ -690,7 +703,7 @@
                 <a:spcPct val="100000"/>
               </a:lnSpc>
             </a:pPr>
-            <a:fld id="{76A5512E-3CC9-4B93-A1F3-939E2BE8EAFB}" type="slidenum">
+            <a:fld id="{FE23B3DD-6FB7-45EB-A804-DD067B4EB0FF}" type="slidenum">
               <a:rPr b="0" lang="en-US" sz="1200" spc="-1" strike="noStrike">
                 <a:solidFill>
                   <a:srgbClr val="000000"/>
@@ -698,7 +711,7 @@
                 <a:latin typeface="+mn-lt"/>
                 <a:ea typeface="+mn-ea"/>
               </a:rPr>
-              <a:t>&lt;number&gt;</a:t>
+              <a:t>1</a:t>
             </a:fld>
             <a:endParaRPr b="0" lang="en-US" sz="1200" spc="-1" strike="noStrike">
               <a:latin typeface="Arial"/>
@@ -730,7 +743,7 @@
       </p:grpSpPr>
       <p:sp>
         <p:nvSpPr>
-          <p:cNvPr id="113" name="PlaceHolder 1"/>
+          <p:cNvPr id="128" name="PlaceHolder 1"/>
           <p:cNvSpPr>
             <a:spLocks noGrp="1"/>
           </p:cNvSpPr>
@@ -741,7 +754,7 @@
         <p:spPr>
           <a:xfrm>
             <a:off x="685800" y="4343400"/>
-            <a:ext cx="5485680" cy="4114080"/>
+            <a:ext cx="5484960" cy="4113360"/>
           </a:xfrm>
           <a:prstGeom prst="rect">
             <a:avLst/>
@@ -758,14 +771,14 @@
       </p:sp>
       <p:sp>
         <p:nvSpPr>
-          <p:cNvPr id="114" name="CustomShape 2"/>
+          <p:cNvPr id="129" name="CustomShape 2"/>
           <p:cNvSpPr/>
           <p:nvPr/>
         </p:nvSpPr>
         <p:spPr>
           <a:xfrm>
             <a:off x="3884760" y="8685360"/>
-            <a:ext cx="2971080" cy="456480"/>
+            <a:ext cx="2970360" cy="455760"/>
           </a:xfrm>
           <a:prstGeom prst="rect">
             <a:avLst/>
@@ -789,7 +802,106 @@
                 <a:spcPct val="100000"/>
               </a:lnSpc>
             </a:pPr>
-            <a:fld id="{767F318A-F294-47E9-833E-EF6E87D68DA2}" type="slidenum">
+            <a:fld id="{0E25B706-879D-4F6C-9925-70BB8C29A9EE}" type="slidenum">
+              <a:rPr b="0" lang="en-US" sz="1200" spc="-1" strike="noStrike">
+                <a:solidFill>
+                  <a:srgbClr val="000000"/>
+                </a:solidFill>
+                <a:latin typeface="+mn-lt"/>
+                <a:ea typeface="+mn-ea"/>
+              </a:rPr>
+              <a:t>&lt;number&gt;</a:t>
+            </a:fld>
+            <a:endParaRPr b="0" lang="en-US" sz="1200" spc="-1" strike="noStrike">
+              <a:latin typeface="Arial"/>
+            </a:endParaRPr>
+          </a:p>
+        </p:txBody>
+      </p:sp>
+    </p:spTree>
+  </p:cSld>
+</p:notes>
+</file>
+
+<file path=ppt/notesSlides/notesSlide7.xml><?xml version="1.0" encoding="utf-8"?>
+<p:notes xmlns:a="http://schemas.openxmlformats.org/drawingml/2006/main" xmlns:p="http://schemas.openxmlformats.org/presentationml/2006/main" xmlns:r="http://schemas.openxmlformats.org/officeDocument/2006/relationships" xmlns:p14="http://schemas.microsoft.com/office/powerpoint/2010/main" xmlns:p15="http://schemas.microsoft.com/office/powerpoint/2012/main" xmlns:mc="http://schemas.openxmlformats.org/markup-compatibility/2006">
+  <p:cSld>
+    <p:spTree>
+      <p:nvGrpSpPr>
+        <p:cNvPr id="1" name=""/>
+        <p:cNvGrpSpPr/>
+        <p:nvPr/>
+      </p:nvGrpSpPr>
+      <p:grpSpPr>
+        <a:xfrm>
+          <a:off x="0" y="0"/>
+          <a:ext cx="0" cy="0"/>
+          <a:chOff x="0" y="0"/>
+          <a:chExt cx="0" cy="0"/>
+        </a:xfrm>
+      </p:grpSpPr>
+      <p:sp>
+        <p:nvSpPr>
+          <p:cNvPr id="130" name="PlaceHolder 1"/>
+          <p:cNvSpPr>
+            <a:spLocks noGrp="1"/>
+          </p:cNvSpPr>
+          <p:nvPr>
+            <p:ph type="body"/>
+          </p:nvPr>
+        </p:nvSpPr>
+        <p:spPr>
+          <a:xfrm>
+            <a:off x="685800" y="4343400"/>
+            <a:ext cx="5484960" cy="4113360"/>
+          </a:xfrm>
+          <a:prstGeom prst="rect">
+            <a:avLst/>
+          </a:prstGeom>
+        </p:spPr>
+        <p:txBody>
+          <a:bodyPr lIns="0" rIns="0" tIns="0" bIns="0"/>
+          <a:p>
+            <a:endParaRPr b="0" lang="en-US" sz="2000" spc="-1" strike="noStrike">
+              <a:latin typeface="Arial"/>
+            </a:endParaRPr>
+          </a:p>
+        </p:txBody>
+      </p:sp>
+      <p:sp>
+        <p:nvSpPr>
+          <p:cNvPr id="131" name="CustomShape 2"/>
+          <p:cNvSpPr/>
+          <p:nvPr/>
+        </p:nvSpPr>
+        <p:spPr>
+          <a:xfrm>
+            <a:off x="3884760" y="8685360"/>
+            <a:ext cx="2970360" cy="455760"/>
+          </a:xfrm>
+          <a:prstGeom prst="rect">
+            <a:avLst/>
+          </a:prstGeom>
+          <a:noFill/>
+          <a:ln>
+            <a:noFill/>
+          </a:ln>
+        </p:spPr>
+        <p:style>
+          <a:lnRef idx="0"/>
+          <a:fillRef idx="0"/>
+          <a:effectRef idx="0"/>
+          <a:fontRef idx="minor"/>
+        </p:style>
+        <p:txBody>
+          <a:bodyPr lIns="90000" rIns="90000" tIns="45000" bIns="45000" anchor="b"/>
+          <a:p>
+            <a:pPr algn="r">
+              <a:lnSpc>
+                <a:spcPct val="100000"/>
+              </a:lnSpc>
+            </a:pPr>
+            <a:fld id="{34222F6B-5576-43A0-9639-BA4442B723A2}" type="slidenum">
               <a:rPr b="0" lang="en-US" sz="1200" spc="-1" strike="noStrike">
                 <a:solidFill>
                   <a:srgbClr val="000000"/>
@@ -3510,7 +3622,7 @@
         <p:spPr>
           <a:xfrm>
             <a:off x="440280" y="6453360"/>
-            <a:ext cx="8703000" cy="403920"/>
+            <a:ext cx="8702280" cy="403200"/>
           </a:xfrm>
           <a:prstGeom prst="rect">
             <a:avLst/>
@@ -3550,7 +3662,7 @@
         <p:spPr>
           <a:xfrm>
             <a:off x="1800" y="6453360"/>
-            <a:ext cx="403920" cy="403920"/>
+            <a:ext cx="403200" cy="403200"/>
           </a:xfrm>
           <a:prstGeom prst="rect">
             <a:avLst/>
@@ -3569,7 +3681,7 @@
         <p:spPr>
           <a:xfrm>
             <a:off x="467640" y="6505560"/>
-            <a:ext cx="8675640" cy="303120"/>
+            <a:ext cx="8674920" cy="302400"/>
           </a:xfrm>
           <a:prstGeom prst="rect">
             <a:avLst/>
@@ -3642,7 +3754,7 @@
         <p:spPr>
           <a:xfrm>
             <a:off x="2295000" y="915840"/>
-            <a:ext cx="4552920" cy="1010160"/>
+            <a:ext cx="4552200" cy="1009440"/>
           </a:xfrm>
           <a:prstGeom prst="rect">
             <a:avLst/>
@@ -3679,7 +3791,25 @@
               <a:rPr b="0" lang="en-US" sz="4400" spc="-1" strike="noStrike">
                 <a:latin typeface="Arial"/>
               </a:rPr>
-              <a:t>Click to edit the title text format</a:t>
+              <a:t>Click to </a:t>
+            </a:r>
+            <a:r>
+              <a:rPr b="0" lang="en-US" sz="4400" spc="-1" strike="noStrike">
+                <a:latin typeface="Arial"/>
+              </a:rPr>
+              <a:t>edit the </a:t>
+            </a:r>
+            <a:r>
+              <a:rPr b="0" lang="en-US" sz="4400" spc="-1" strike="noStrike">
+                <a:latin typeface="Arial"/>
+              </a:rPr>
+              <a:t>title text </a:t>
+            </a:r>
+            <a:r>
+              <a:rPr b="0" lang="en-US" sz="4400" spc="-1" strike="noStrike">
+                <a:latin typeface="Arial"/>
+              </a:rPr>
+              <a:t>format</a:t>
             </a:r>
             <a:endParaRPr b="0" lang="en-US" sz="4400" spc="-1" strike="noStrike">
               <a:latin typeface="Arial"/>
@@ -3922,7 +4052,7 @@
         <p:spPr>
           <a:xfrm>
             <a:off x="440280" y="6453360"/>
-            <a:ext cx="8703000" cy="403920"/>
+            <a:ext cx="8702280" cy="403200"/>
           </a:xfrm>
           <a:prstGeom prst="rect">
             <a:avLst/>
@@ -3962,7 +4092,7 @@
         <p:spPr>
           <a:xfrm>
             <a:off x="1800" y="6453360"/>
-            <a:ext cx="403920" cy="403920"/>
+            <a:ext cx="403200" cy="403200"/>
           </a:xfrm>
           <a:prstGeom prst="rect">
             <a:avLst/>
@@ -3981,7 +4111,7 @@
         <p:spPr>
           <a:xfrm>
             <a:off x="467640" y="6505560"/>
-            <a:ext cx="8675640" cy="303120"/>
+            <a:ext cx="8674920" cy="302400"/>
           </a:xfrm>
           <a:prstGeom prst="rect">
             <a:avLst/>
@@ -4068,7 +4198,13 @@
               <a:rPr b="0" lang="en-US" sz="4400" spc="-1" strike="noStrike">
                 <a:latin typeface="Arial"/>
               </a:rPr>
-              <a:t>Click to edit the title text format</a:t>
+              <a:t>Click to edit the title text </a:t>
+            </a:r>
+            <a:r>
+              <a:rPr b="0" lang="en-US" sz="4400" spc="-1" strike="noStrike">
+                <a:latin typeface="Arial"/>
+              </a:rPr>
+              <a:t>format</a:t>
             </a:r>
             <a:endParaRPr b="0" lang="en-US" sz="4400" spc="-1" strike="noStrike">
               <a:latin typeface="Arial"/>
@@ -4301,7 +4437,7 @@
         <p:spPr>
           <a:xfrm>
             <a:off x="896760" y="3933000"/>
-            <a:ext cx="7127280" cy="1222560"/>
+            <a:ext cx="7126560" cy="1221840"/>
           </a:xfrm>
           <a:prstGeom prst="rect">
             <a:avLst/>
@@ -4334,8 +4470,9 @@
                   <a:srgbClr val="000000"/>
                 </a:solidFill>
                 <a:latin typeface="Arial"/>
-              </a:rPr>
-              <a:t>IBP</a:t>
+                <a:ea typeface="DejaVu Sans"/>
+              </a:rPr>
+              <a:t>Ing. Tomáš Milet</a:t>
             </a:r>
             <a:endParaRPr b="0" lang="en-US" sz="1800" spc="-1" strike="noStrike">
               <a:latin typeface="Arial"/>
@@ -4352,7 +4489,7 @@
         <p:spPr>
           <a:xfrm>
             <a:off x="896760" y="5661360"/>
-            <a:ext cx="5042880" cy="430920"/>
+            <a:ext cx="5042160" cy="430200"/>
           </a:xfrm>
           <a:prstGeom prst="rect">
             <a:avLst/>
@@ -4385,6 +4522,7 @@
                   <a:srgbClr val="000000"/>
                 </a:solidFill>
                 <a:latin typeface="Arial"/>
+                <a:ea typeface="DejaVu Sans"/>
               </a:rPr>
               <a:t>Autor: Roman Dobiáš</a:t>
             </a:r>
@@ -4403,7 +4541,7 @@
         <p:spPr>
           <a:xfrm>
             <a:off x="6156360" y="5661360"/>
-            <a:ext cx="1870920" cy="430920"/>
+            <a:ext cx="1870200" cy="430200"/>
           </a:xfrm>
           <a:prstGeom prst="rect">
             <a:avLst/>
@@ -4436,8 +4574,9 @@
                   <a:srgbClr val="000000"/>
                 </a:solidFill>
                 <a:latin typeface="Arial"/>
-              </a:rPr>
-              <a:t>14. leden 2018</a:t>
+                <a:ea typeface="DejaVu Sans"/>
+              </a:rPr>
+              <a:t>23. leden 2018</a:t>
             </a:r>
             <a:endParaRPr b="0" lang="en-US" sz="1600" spc="-1" strike="noStrike">
               <a:latin typeface="Arial"/>
@@ -4454,7 +4593,7 @@
         <p:spPr>
           <a:xfrm>
             <a:off x="899640" y="2853000"/>
-            <a:ext cx="7128000" cy="935280"/>
+            <a:ext cx="7127280" cy="934560"/>
           </a:xfrm>
           <a:prstGeom prst="rect">
             <a:avLst/>
@@ -4484,6 +4623,7 @@
                   <a:srgbClr val="000000"/>
                 </a:solidFill>
                 <a:latin typeface="Arial Black"/>
+                <a:ea typeface="DejaVu Sans"/>
               </a:rPr>
               <a:t>Jazyk pro procedurální generování</a:t>
             </a:r>
@@ -4551,7 +4691,7 @@
         <p:spPr>
           <a:xfrm>
             <a:off x="365760" y="1811520"/>
-            <a:ext cx="8412120" cy="1881000"/>
+            <a:ext cx="8411400" cy="1880280"/>
           </a:xfrm>
           <a:prstGeom prst="rect">
             <a:avLst/>
@@ -4570,7 +4710,7 @@
         <p:txBody>
           <a:bodyPr lIns="90000" rIns="90000" tIns="45000" bIns="45000"/>
           <a:p>
-            <a:pPr marL="216000" indent="-215640">
+            <a:pPr marL="216000" indent="-214920">
               <a:lnSpc>
                 <a:spcPct val="150000"/>
               </a:lnSpc>
@@ -4583,19 +4723,31 @@
             </a:pPr>
             <a:r>
               <a:rPr b="0" lang="en-US" sz="1800" spc="-1" strike="noStrike">
-                <a:latin typeface="Arial"/>
-              </a:rPr>
-              <a:t>Potrebujeme veľké tvoriť </a:t>
+                <a:solidFill>
+                  <a:srgbClr val="000000"/>
+                </a:solidFill>
+                <a:latin typeface="Arial"/>
+                <a:ea typeface="DejaVu Sans"/>
+              </a:rPr>
+              <a:t>Potrebujeme </a:t>
             </a:r>
             <a:r>
               <a:rPr b="1" lang="en-US" sz="1800" spc="-1" strike="noStrike">
-                <a:latin typeface="Arial"/>
+                <a:solidFill>
+                  <a:srgbClr val="000000"/>
+                </a:solidFill>
+                <a:latin typeface="Arial"/>
+                <a:ea typeface="DejaVu Sans"/>
               </a:rPr>
               <a:t>množstvo sebe-podobných </a:t>
             </a:r>
             <a:r>
               <a:rPr b="0" lang="en-US" sz="1800" spc="-1" strike="noStrike">
-                <a:latin typeface="Arial"/>
+                <a:solidFill>
+                  <a:srgbClr val="000000"/>
+                </a:solidFill>
+                <a:latin typeface="Arial"/>
+                <a:ea typeface="DejaVu Sans"/>
               </a:rPr>
               <a:t>modelov</a:t>
             </a:r>
@@ -4604,7 +4756,7 @@
             </a:endParaRPr>
           </a:p>
           <a:p>
-            <a:pPr lvl="1" marL="432000" indent="-215640">
+            <a:pPr marL="216000" indent="-214920">
               <a:lnSpc>
                 <a:spcPct val="150000"/>
               </a:lnSpc>
@@ -4617,119 +4769,11 @@
             </a:pPr>
             <a:r>
               <a:rPr b="0" lang="en-US" sz="1800" spc="-1" strike="noStrike">
-                <a:latin typeface="Arial"/>
-              </a:rPr>
-              <a:t>Stromy, budovy, kamene, whatever</a:t>
-            </a:r>
-            <a:endParaRPr b="0" lang="en-US" sz="1800" spc="-1" strike="noStrike">
-              <a:latin typeface="Arial"/>
-            </a:endParaRPr>
-          </a:p>
-          <a:p>
-            <a:pPr marL="216000" indent="-215640">
-              <a:lnSpc>
-                <a:spcPct val="150000"/>
-              </a:lnSpc>
-              <a:buClr>
-                <a:srgbClr val="000000"/>
-              </a:buClr>
-              <a:buSzPct val="45000"/>
-              <a:buFont typeface="Wingdings" charset="2"/>
-              <a:buChar char=""/>
-            </a:pPr>
-            <a:r>
-              <a:rPr b="0" lang="en-US" sz="1800" spc="-1" strike="noStrike">
-                <a:latin typeface="Arial"/>
-              </a:rPr>
-              <a:t>Potreba </a:t>
-            </a:r>
-            <a:r>
-              <a:rPr b="1" lang="en-US" sz="1800" spc="-1" strike="noStrike">
-                <a:latin typeface="Arial"/>
-              </a:rPr>
-              <a:t>dynamickej tvorby</a:t>
-            </a:r>
-            <a:r>
-              <a:rPr b="0" lang="en-US" sz="1800" spc="-1" strike="noStrike">
-                <a:latin typeface="Arial"/>
-              </a:rPr>
-              <a:t>, prípadne v real-time</a:t>
-            </a:r>
-            <a:endParaRPr b="0" lang="en-US" sz="1800" spc="-1" strike="noStrike">
-              <a:latin typeface="Arial"/>
-            </a:endParaRPr>
-          </a:p>
-          <a:p>
-            <a:pPr lvl="1" marL="432000" indent="-215640">
-              <a:lnSpc>
-                <a:spcPct val="150000"/>
-              </a:lnSpc>
-              <a:buClr>
-                <a:srgbClr val="000000"/>
-              </a:buClr>
-              <a:buSzPct val="45000"/>
-              <a:buFont typeface="Wingdings" charset="2"/>
-              <a:buChar char=""/>
-            </a:pPr>
-            <a:r>
-              <a:rPr b="0" lang="en-US" sz="1800" spc="-1" strike="noStrike">
-                <a:latin typeface="Arial"/>
-              </a:rPr>
-              <a:t>Simulácie, demá, interaktívny obsah</a:t>
-            </a:r>
-            <a:endParaRPr b="0" lang="en-US" sz="1800" spc="-1" strike="noStrike">
-              <a:latin typeface="Arial"/>
-            </a:endParaRPr>
-          </a:p>
-          <a:p>
-            <a:pPr marL="216000" indent="-215640">
-              <a:lnSpc>
-                <a:spcPct val="150000"/>
-              </a:lnSpc>
-              <a:buClr>
-                <a:srgbClr val="000000"/>
-              </a:buClr>
-              <a:buSzPct val="45000"/>
-              <a:buFont typeface="Wingdings" charset="2"/>
-              <a:buChar char=""/>
-            </a:pPr>
-            <a:r>
-              <a:rPr b="0" lang="en-US" sz="1800" spc="-1" strike="noStrike">
-                <a:latin typeface="Arial"/>
-              </a:rPr>
-              <a:t>Potreba </a:t>
-            </a:r>
-            <a:r>
-              <a:rPr b="1" lang="en-US" sz="1800" spc="-1" strike="noStrike">
-                <a:latin typeface="Arial"/>
-              </a:rPr>
-              <a:t>flexibility</a:t>
-            </a:r>
-            <a:endParaRPr b="0" lang="en-US" sz="1800" spc="-1" strike="noStrike">
-              <a:latin typeface="Arial"/>
-            </a:endParaRPr>
-          </a:p>
-          <a:p>
-            <a:pPr lvl="1" marL="432000" indent="-215640">
-              <a:lnSpc>
-                <a:spcPct val="150000"/>
-              </a:lnSpc>
-              <a:buClr>
-                <a:srgbClr val="000000"/>
-              </a:buClr>
-              <a:buSzPct val="45000"/>
-              <a:buFont typeface="Wingdings" charset="2"/>
-              <a:buChar char=""/>
-            </a:pPr>
-            <a:r>
-              <a:rPr b="0" lang="en-US" sz="1800" spc="-1" strike="noStrike">
-                <a:latin typeface="Arial"/>
-              </a:rPr>
-              <a:t>Obecnosť a všestranná využiteľnosť</a:t>
-            </a:r>
-            <a:r>
-              <a:rPr b="0" lang="en-US" sz="1800" spc="-1" strike="noStrike">
-                <a:latin typeface="Arial"/>
+                <a:solidFill>
+                  <a:srgbClr val="000000"/>
+                </a:solidFill>
+                <a:latin typeface="Arial"/>
+                <a:ea typeface="DejaVu Sans"/>
               </a:rPr>
               <a:t> </a:t>
             </a:r>
@@ -4748,7 +4792,7 @@
         <p:spPr>
           <a:xfrm>
             <a:off x="496080" y="548640"/>
-            <a:ext cx="2324520" cy="657000"/>
+            <a:ext cx="2323800" cy="656280"/>
           </a:xfrm>
           <a:prstGeom prst="rect">
             <a:avLst/>
@@ -4769,7 +4813,11 @@
           <a:p>
             <a:r>
               <a:rPr b="0" lang="en-US" sz="4000" spc="-1" strike="noStrike">
-                <a:latin typeface="Arial"/>
+                <a:solidFill>
+                  <a:srgbClr val="000000"/>
+                </a:solidFill>
+                <a:latin typeface="Arial"/>
+                <a:ea typeface="DejaVu Sans"/>
               </a:rPr>
               <a:t>Motivácia</a:t>
             </a:r>
@@ -4779,6 +4827,86 @@
           </a:p>
         </p:txBody>
       </p:sp>
+      <p:pic>
+        <p:nvPicPr>
+          <p:cNvPr id="94" name="" descr=""/>
+          <p:cNvPicPr/>
+          <p:nvPr/>
+        </p:nvPicPr>
+        <p:blipFill>
+          <a:blip r:embed="rId1"/>
+          <a:stretch/>
+        </p:blipFill>
+        <p:spPr>
+          <a:xfrm>
+            <a:off x="681840" y="2560320"/>
+            <a:ext cx="3383280" cy="3383280"/>
+          </a:xfrm>
+          <a:prstGeom prst="rect">
+            <a:avLst/>
+          </a:prstGeom>
+          <a:ln>
+            <a:noFill/>
+          </a:ln>
+        </p:spPr>
+      </p:pic>
+      <p:sp>
+        <p:nvSpPr>
+          <p:cNvPr id="95" name="TextShape 3"/>
+          <p:cNvSpPr txBox="1"/>
+          <p:nvPr/>
+        </p:nvSpPr>
+        <p:spPr>
+          <a:xfrm>
+            <a:off x="1226160" y="5946480"/>
+            <a:ext cx="2337120" cy="346320"/>
+          </a:xfrm>
+          <a:prstGeom prst="rect">
+            <a:avLst/>
+          </a:prstGeom>
+          <a:noFill/>
+          <a:ln>
+            <a:noFill/>
+          </a:ln>
+        </p:spPr>
+        <p:txBody>
+          <a:bodyPr lIns="90000" rIns="90000" tIns="45000" bIns="45000"/>
+          <a:p>
+            <a:r>
+              <a:rPr b="0" lang="en-US" sz="1800" spc="-1" strike="noStrike">
+                <a:latin typeface="Arial"/>
+              </a:rPr>
+              <a:t>Zdroj: speedtree.com</a:t>
+            </a:r>
+            <a:endParaRPr b="0" lang="en-US" sz="1800" spc="-1" strike="noStrike">
+              <a:latin typeface="Arial"/>
+            </a:endParaRPr>
+          </a:p>
+        </p:txBody>
+      </p:sp>
+      <p:pic>
+        <p:nvPicPr>
+          <p:cNvPr id="96" name="" descr=""/>
+          <p:cNvPicPr/>
+          <p:nvPr/>
+        </p:nvPicPr>
+        <p:blipFill>
+          <a:blip r:embed="rId2"/>
+          <a:stretch/>
+        </p:blipFill>
+        <p:spPr>
+          <a:xfrm>
+            <a:off x="4754880" y="2979720"/>
+            <a:ext cx="3785400" cy="2689560"/>
+          </a:xfrm>
+          <a:prstGeom prst="rect">
+            <a:avLst/>
+          </a:prstGeom>
+          <a:ln>
+            <a:noFill/>
+          </a:ln>
+        </p:spPr>
+      </p:pic>
     </p:spTree>
   </p:cSld>
   <p:timing>
@@ -4830,14 +4958,14 @@
       </p:grpSpPr>
       <p:sp>
         <p:nvSpPr>
-          <p:cNvPr id="94" name="CustomShape 1"/>
+          <p:cNvPr id="97" name="CustomShape 1"/>
           <p:cNvSpPr/>
           <p:nvPr/>
         </p:nvSpPr>
         <p:spPr>
           <a:xfrm>
             <a:off x="365760" y="1811520"/>
-            <a:ext cx="8412120" cy="1497240"/>
+            <a:ext cx="8411400" cy="1496520"/>
           </a:xfrm>
           <a:prstGeom prst="rect">
             <a:avLst/>
@@ -4856,7 +4984,7 @@
         <p:txBody>
           <a:bodyPr lIns="90000" rIns="90000" tIns="45000" bIns="45000"/>
           <a:p>
-            <a:pPr marL="216000" indent="-215640">
+            <a:pPr marL="216000" indent="-214920">
               <a:lnSpc>
                 <a:spcPct val="150000"/>
               </a:lnSpc>
@@ -4869,7 +4997,11 @@
             </a:pPr>
             <a:r>
               <a:rPr b="0" lang="en-US" sz="1800" spc="-1" strike="noStrike">
-                <a:latin typeface="Arial"/>
+                <a:solidFill>
+                  <a:srgbClr val="000000"/>
+                </a:solidFill>
+                <a:latin typeface="Arial"/>
+                <a:ea typeface="DejaVu Sans"/>
               </a:rPr>
               <a:t>Čo tak samotný podsystém ?</a:t>
             </a:r>
@@ -4878,7 +5010,7 @@
             </a:endParaRPr>
           </a:p>
           <a:p>
-            <a:pPr lvl="1" marL="432000" indent="-215640">
+            <a:pPr lvl="1" marL="432000" indent="-214920">
               <a:lnSpc>
                 <a:spcPct val="150000"/>
               </a:lnSpc>
@@ -4891,13 +5023,21 @@
             </a:pPr>
             <a:r>
               <a:rPr b="1" lang="en-US" sz="1800" spc="-1" strike="noStrike">
-                <a:latin typeface="Arial"/>
+                <a:solidFill>
+                  <a:srgbClr val="000000"/>
+                </a:solidFill>
+                <a:latin typeface="Arial"/>
+                <a:ea typeface="DejaVu Sans"/>
               </a:rPr>
               <a:t>Jazyk</a:t>
             </a:r>
             <a:r>
               <a:rPr b="0" lang="en-US" sz="1800" spc="-1" strike="noStrike">
-                <a:latin typeface="Arial"/>
+                <a:solidFill>
+                  <a:srgbClr val="000000"/>
+                </a:solidFill>
+                <a:latin typeface="Arial"/>
+                <a:ea typeface="DejaVu Sans"/>
               </a:rPr>
               <a:t> pre popis objektov</a:t>
             </a:r>
@@ -4906,7 +5046,7 @@
             </a:endParaRPr>
           </a:p>
           <a:p>
-            <a:pPr lvl="1" marL="432000" indent="-215640">
+            <a:pPr lvl="1" marL="432000" indent="-214920">
               <a:lnSpc>
                 <a:spcPct val="150000"/>
               </a:lnSpc>
@@ -4919,13 +5059,21 @@
             </a:pPr>
             <a:r>
               <a:rPr b="1" lang="en-US" sz="1800" spc="-1" strike="noStrike">
-                <a:latin typeface="Arial"/>
+                <a:solidFill>
+                  <a:srgbClr val="000000"/>
+                </a:solidFill>
+                <a:latin typeface="Arial"/>
+                <a:ea typeface="DejaVu Sans"/>
               </a:rPr>
               <a:t>Run-time</a:t>
             </a:r>
             <a:r>
               <a:rPr b="0" lang="en-US" sz="1800" spc="-1" strike="noStrike">
-                <a:latin typeface="Arial"/>
+                <a:solidFill>
+                  <a:srgbClr val="000000"/>
+                </a:solidFill>
+                <a:latin typeface="Arial"/>
+                <a:ea typeface="DejaVu Sans"/>
               </a:rPr>
               <a:t> konfigurácia</a:t>
             </a:r>
@@ -4934,7 +5082,7 @@
             </a:endParaRPr>
           </a:p>
           <a:p>
-            <a:pPr lvl="1" marL="432000" indent="-215640">
+            <a:pPr lvl="1" marL="432000" indent="-214920">
               <a:lnSpc>
                 <a:spcPct val="150000"/>
               </a:lnSpc>
@@ -4947,13 +5095,21 @@
             </a:pPr>
             <a:r>
               <a:rPr b="1" lang="en-US" sz="1800" spc="-1" strike="noStrike">
-                <a:latin typeface="Arial"/>
+                <a:solidFill>
+                  <a:srgbClr val="000000"/>
+                </a:solidFill>
+                <a:latin typeface="Arial"/>
+                <a:ea typeface="DejaVu Sans"/>
               </a:rPr>
               <a:t>Flexibilný výstup</a:t>
             </a:r>
             <a:r>
               <a:rPr b="0" lang="en-US" sz="1800" spc="-1" strike="noStrike">
-                <a:latin typeface="Arial"/>
+                <a:solidFill>
+                  <a:srgbClr val="000000"/>
+                </a:solidFill>
+                <a:latin typeface="Arial"/>
+                <a:ea typeface="DejaVu Sans"/>
               </a:rPr>
               <a:t> interpretovaný uživateľom</a:t>
             </a:r>
@@ -4965,14 +5121,14 @@
       </p:sp>
       <p:sp>
         <p:nvSpPr>
-          <p:cNvPr id="95" name="CustomShape 2"/>
+          <p:cNvPr id="98" name="CustomShape 2"/>
           <p:cNvSpPr/>
           <p:nvPr/>
         </p:nvSpPr>
         <p:spPr>
           <a:xfrm>
             <a:off x="496080" y="548640"/>
-            <a:ext cx="3171960" cy="657000"/>
+            <a:ext cx="3171240" cy="656280"/>
           </a:xfrm>
           <a:prstGeom prst="rect">
             <a:avLst/>
@@ -4993,7 +5149,11 @@
           <a:p>
             <a:r>
               <a:rPr b="0" lang="en-US" sz="4000" spc="-1" strike="noStrike">
-                <a:latin typeface="Arial"/>
+                <a:solidFill>
+                  <a:srgbClr val="000000"/>
+                </a:solidFill>
+                <a:latin typeface="Arial"/>
+                <a:ea typeface="DejaVu Sans"/>
               </a:rPr>
               <a:t>Motivácia 2.0</a:t>
             </a:r>
@@ -5005,7 +5165,7 @@
       </p:sp>
       <p:pic>
         <p:nvPicPr>
-          <p:cNvPr id="96" name="" descr=""/>
+          <p:cNvPr id="99" name="" descr=""/>
           <p:cNvPicPr/>
           <p:nvPr/>
         </p:nvPicPr>
@@ -5016,7 +5176,7 @@
         <p:spPr>
           <a:xfrm>
             <a:off x="2108880" y="3741840"/>
-            <a:ext cx="5114520" cy="1744200"/>
+            <a:ext cx="5113800" cy="1743480"/>
           </a:xfrm>
           <a:prstGeom prst="rect">
             <a:avLst/>
@@ -5077,14 +5237,14 @@
       </p:grpSpPr>
       <p:sp>
         <p:nvSpPr>
-          <p:cNvPr id="97" name="CustomShape 1"/>
+          <p:cNvPr id="100" name="CustomShape 1"/>
           <p:cNvSpPr/>
           <p:nvPr/>
         </p:nvSpPr>
         <p:spPr>
           <a:xfrm>
-            <a:off x="365760" y="1559520"/>
-            <a:ext cx="8412120" cy="5334840"/>
+            <a:off x="473760" y="1667520"/>
+            <a:ext cx="8411400" cy="4202640"/>
           </a:xfrm>
           <a:prstGeom prst="rect">
             <a:avLst/>
@@ -5103,327 +5263,897 @@
         <p:txBody>
           <a:bodyPr lIns="90000" rIns="90000" tIns="45000" bIns="45000"/>
           <a:p>
-            <a:pPr marL="216000" indent="-215640">
-              <a:lnSpc>
-                <a:spcPct val="150000"/>
-              </a:lnSpc>
-              <a:buClr>
-                <a:srgbClr val="000000"/>
-              </a:buClr>
-              <a:buSzPct val="45000"/>
-              <a:buFont typeface="Wingdings" charset="2"/>
-              <a:buChar char=""/>
-            </a:pPr>
-            <a:r>
-              <a:rPr b="0" lang="en-US" sz="1800" spc="-1" strike="noStrike">
-                <a:latin typeface="Arial"/>
-              </a:rPr>
-              <a:t>Lexer / parsér</a:t>
-            </a:r>
-            <a:endParaRPr b="0" lang="en-US" sz="1800" spc="-1" strike="noStrike">
-              <a:latin typeface="Arial"/>
-            </a:endParaRPr>
-          </a:p>
-          <a:p>
-            <a:pPr lvl="1" marL="432000" indent="-215640">
-              <a:lnSpc>
-                <a:spcPct val="150000"/>
-              </a:lnSpc>
-              <a:buClr>
-                <a:srgbClr val="000000"/>
-              </a:buClr>
-              <a:buSzPct val="45000"/>
-              <a:buFont typeface="Wingdings" charset="2"/>
-              <a:buChar char=""/>
-            </a:pPr>
-            <a:r>
-              <a:rPr b="0" lang="en-US" sz="1800" spc="-1" strike="noStrike">
-                <a:latin typeface="Arial"/>
-              </a:rPr>
-              <a:t>Napr. </a:t>
-            </a:r>
-            <a:r>
-              <a:rPr b="1" lang="en-US" sz="1800" spc="-1" strike="noStrike">
-                <a:latin typeface="Arial"/>
-              </a:rPr>
-              <a:t>Bison/Flex</a:t>
-            </a:r>
-            <a:r>
-              <a:rPr b="0" lang="en-US" sz="1800" spc="-1" strike="noStrike">
-                <a:latin typeface="Arial"/>
-              </a:rPr>
-              <a:t> (LALR)</a:t>
-            </a:r>
-            <a:endParaRPr b="0" lang="en-US" sz="1800" spc="-1" strike="noStrike">
-              <a:latin typeface="Arial"/>
-            </a:endParaRPr>
-          </a:p>
-          <a:p>
-            <a:pPr marL="216000" indent="-215640">
-              <a:lnSpc>
-                <a:spcPct val="150000"/>
-              </a:lnSpc>
-              <a:buClr>
-                <a:srgbClr val="000000"/>
-              </a:buClr>
-              <a:buSzPct val="45000"/>
-              <a:buFont typeface="Wingdings" charset="2"/>
-              <a:buChar char=""/>
-            </a:pPr>
-            <a:r>
-              <a:rPr b="0" lang="en-US" sz="1800" spc="-1" strike="noStrike">
-                <a:latin typeface="Arial"/>
-              </a:rPr>
-              <a:t>Interprét</a:t>
-            </a:r>
-            <a:endParaRPr b="0" lang="en-US" sz="1800" spc="-1" strike="noStrike">
-              <a:latin typeface="Arial"/>
-            </a:endParaRPr>
-          </a:p>
-          <a:p>
-            <a:pPr lvl="1" marL="432000" indent="-215640">
-              <a:lnSpc>
-                <a:spcPct val="150000"/>
-              </a:lnSpc>
-              <a:buClr>
-                <a:srgbClr val="000000"/>
-              </a:buClr>
-              <a:buSzPct val="45000"/>
-              <a:buFont typeface="Wingdings" charset="2"/>
-              <a:buChar char=""/>
-            </a:pPr>
-            <a:r>
-              <a:rPr b="0" lang="en-US" sz="1800" spc="-1" strike="noStrike">
-                <a:latin typeface="Arial"/>
-              </a:rPr>
-              <a:t>Typované zdroje (</a:t>
-            </a:r>
-            <a:r>
-              <a:rPr b="1" lang="en-US" sz="1800" spc="-1" strike="noStrike">
-                <a:latin typeface="Arial"/>
-              </a:rPr>
-              <a:t>resources)</a:t>
-            </a:r>
-            <a:endParaRPr b="0" lang="en-US" sz="1800" spc="-1" strike="noStrike">
-              <a:latin typeface="Arial"/>
-            </a:endParaRPr>
-          </a:p>
-          <a:p>
-            <a:pPr lvl="1" marL="432000" indent="-215640">
-              <a:lnSpc>
-                <a:spcPct val="150000"/>
-              </a:lnSpc>
-              <a:buClr>
-                <a:srgbClr val="000000"/>
-              </a:buClr>
-              <a:buSzPct val="45000"/>
-              <a:buFont typeface="Wingdings" charset="2"/>
-              <a:buChar char=""/>
-            </a:pPr>
-            <a:r>
-              <a:rPr b="0" lang="en-US" sz="1800" spc="-1" strike="noStrike">
-                <a:latin typeface="Arial"/>
-              </a:rPr>
-              <a:t>Objektovo-orientované </a:t>
-            </a:r>
-            <a:r>
-              <a:rPr b="1" lang="en-US" sz="1800" spc="-1" strike="noStrike">
-                <a:latin typeface="Arial"/>
-              </a:rPr>
-              <a:t>funkčné bloky</a:t>
-            </a:r>
-            <a:endParaRPr b="0" lang="en-US" sz="1800" spc="-1" strike="noStrike">
-              <a:latin typeface="Arial"/>
-            </a:endParaRPr>
-          </a:p>
-          <a:p>
-            <a:pPr marL="216000" indent="-215640">
-              <a:lnSpc>
-                <a:spcPct val="150000"/>
-              </a:lnSpc>
-              <a:buClr>
-                <a:srgbClr val="000000"/>
-              </a:buClr>
-              <a:buSzPct val="45000"/>
-              <a:buFont typeface="Wingdings" charset="2"/>
-              <a:buChar char=""/>
-            </a:pPr>
-            <a:r>
-              <a:rPr b="0" lang="en-US" sz="1800" spc="-1" strike="noStrike">
-                <a:latin typeface="Arial"/>
-              </a:rPr>
-              <a:t>L-Systém</a:t>
-            </a:r>
-            <a:endParaRPr b="0" lang="en-US" sz="1800" spc="-1" strike="noStrike">
-              <a:latin typeface="Arial"/>
-            </a:endParaRPr>
-          </a:p>
-          <a:p>
-            <a:pPr lvl="1" marL="432000" indent="-215640">
-              <a:lnSpc>
-                <a:spcPct val="150000"/>
-              </a:lnSpc>
-              <a:buClr>
-                <a:srgbClr val="000000"/>
-              </a:buClr>
-              <a:buSzPct val="45000"/>
-              <a:buFont typeface="Wingdings" charset="2"/>
-              <a:buChar char=""/>
-            </a:pPr>
-            <a:r>
-              <a:rPr b="0" lang="en-US" sz="1800" spc="-1" strike="noStrike">
-                <a:latin typeface="Arial"/>
-              </a:rPr>
-              <a:t>Pravidlá modelované kompozitnými funkciami</a:t>
-            </a:r>
-            <a:endParaRPr b="0" lang="en-US" sz="1800" spc="-1" strike="noStrike">
-              <a:latin typeface="Arial"/>
-            </a:endParaRPr>
-          </a:p>
-          <a:p>
-            <a:pPr lvl="1" marL="432000" indent="-215640">
-              <a:lnSpc>
-                <a:spcPct val="150000"/>
-              </a:lnSpc>
-              <a:buClr>
-                <a:srgbClr val="000000"/>
-              </a:buClr>
-              <a:buSzPct val="45000"/>
-              <a:buFont typeface="Wingdings" charset="2"/>
-              <a:buChar char=""/>
-            </a:pPr>
-            <a:r>
-              <a:rPr b="0" lang="en-US" sz="1800" spc="-1" strike="noStrike">
-                <a:latin typeface="Arial"/>
-              </a:rPr>
-              <a:t>Pravidlá s predikátom</a:t>
-            </a:r>
-            <a:endParaRPr b="0" lang="en-US" sz="1800" spc="-1" strike="noStrike">
-              <a:latin typeface="Arial"/>
-            </a:endParaRPr>
-          </a:p>
-          <a:p>
-            <a:pPr lvl="1" marL="432000" indent="-215640">
-              <a:lnSpc>
-                <a:spcPct val="150000"/>
-              </a:lnSpc>
-              <a:buClr>
-                <a:srgbClr val="000000"/>
-              </a:buClr>
-              <a:buSzPct val="45000"/>
-              <a:buFont typeface="Wingdings" charset="2"/>
-              <a:buChar char=""/>
-            </a:pPr>
-            <a:r>
-              <a:rPr b="0" lang="en-US" sz="1800" spc="-1" strike="noStrike">
-                <a:latin typeface="Arial"/>
-              </a:rPr>
-              <a:t>Pseudo-DOM systém pre prístup k parentom / okoliu</a:t>
-            </a:r>
-            <a:endParaRPr b="0" lang="en-US" sz="1800" spc="-1" strike="noStrike">
-              <a:latin typeface="Arial"/>
-            </a:endParaRPr>
-          </a:p>
-          <a:p>
-            <a:pPr marL="216000" indent="-215640">
-              <a:lnSpc>
-                <a:spcPct val="150000"/>
-              </a:lnSpc>
-              <a:buClr>
-                <a:srgbClr val="000000"/>
-              </a:buClr>
-              <a:buSzPct val="45000"/>
-              <a:buFont typeface="Wingdings" charset="2"/>
-              <a:buChar char=""/>
-            </a:pPr>
-            <a:r>
-              <a:rPr b="1" lang="en-US" sz="1800" spc="-1" strike="noStrike">
-                <a:latin typeface="Arial"/>
-              </a:rPr>
-              <a:t>Výsledok</a:t>
-            </a:r>
-            <a:endParaRPr b="0" lang="en-US" sz="1800" spc="-1" strike="noStrike">
-              <a:latin typeface="Arial"/>
-            </a:endParaRPr>
-          </a:p>
-          <a:p>
-            <a:pPr lvl="1" marL="432000" indent="-215640">
-              <a:lnSpc>
-                <a:spcPct val="150000"/>
-              </a:lnSpc>
-              <a:buClr>
-                <a:srgbClr val="000000"/>
-              </a:buClr>
-              <a:buSzPct val="45000"/>
-              <a:buFont typeface="Wingdings" charset="2"/>
-              <a:buChar char=""/>
-            </a:pPr>
-            <a:r>
-              <a:rPr b="0" lang="en-US" sz="1800" spc="-1" strike="noStrike">
-                <a:latin typeface="Arial"/>
-              </a:rPr>
-              <a:t>So silou </a:t>
-            </a:r>
-            <a:r>
-              <a:rPr b="1" lang="en-US" sz="1800" spc="-1" strike="noStrike">
-                <a:latin typeface="Arial"/>
-              </a:rPr>
-              <a:t>parametrického </a:t>
-            </a:r>
-            <a:r>
-              <a:rPr b="0" lang="en-US" sz="1800" spc="-1" strike="noStrike">
-                <a:latin typeface="Arial"/>
-              </a:rPr>
-              <a:t>(vstupy), </a:t>
-            </a:r>
-            <a:r>
-              <a:rPr b="1" lang="en-US" sz="1800" spc="-1" strike="noStrike">
-                <a:latin typeface="Arial"/>
-              </a:rPr>
-              <a:t>stochastického, kontextového </a:t>
-            </a:r>
-            <a:r>
-              <a:rPr b="0" lang="en-US" sz="1800" spc="-1" strike="noStrike">
-                <a:latin typeface="Arial"/>
-              </a:rPr>
-              <a:t>L-systému</a:t>
-            </a:r>
-            <a:endParaRPr b="0" lang="en-US" sz="1800" spc="-1" strike="noStrike">
-              <a:latin typeface="Arial"/>
-            </a:endParaRPr>
-          </a:p>
-          <a:p>
             <a:pPr>
               <a:lnSpc>
-                <a:spcPct val="150000"/>
+                <a:spcPct val="100000"/>
               </a:lnSpc>
             </a:pPr>
-            <a:endParaRPr b="0" lang="en-US" sz="1800" spc="-1" strike="noStrike">
+            <a:r>
+              <a:rPr b="0" lang="en-US" sz="1000" spc="-1" strike="noStrike">
+                <a:solidFill>
+                  <a:srgbClr val="000000"/>
+                </a:solidFill>
+                <a:latin typeface="Arial"/>
+                <a:ea typeface="DejaVu Sans"/>
+              </a:rPr>
+              <a:t>* </a:t>
+            </a:r>
+            <a:r>
+              <a:rPr b="1" lang="en-US" sz="1000" spc="-1" strike="noStrike">
+                <a:solidFill>
+                  <a:srgbClr val="000000"/>
+                </a:solidFill>
+                <a:latin typeface="Arial"/>
+                <a:ea typeface="DejaVu Sans"/>
+              </a:rPr>
+              <a:t>CANTOR</a:t>
+            </a:r>
+            <a:r>
+              <a:rPr b="0" lang="en-US" sz="1000" spc="-1" strike="noStrike">
+                <a:solidFill>
+                  <a:srgbClr val="000000"/>
+                </a:solidFill>
+                <a:latin typeface="Arial"/>
+                <a:ea typeface="DejaVu Sans"/>
+              </a:rPr>
+              <a:t>:</a:t>
+            </a:r>
+            <a:endParaRPr b="0" lang="en-US" sz="1000" spc="-1" strike="noStrike">
               <a:latin typeface="Arial"/>
             </a:endParaRPr>
           </a:p>
           <a:p>
             <a:pPr>
               <a:lnSpc>
-                <a:spcPct val="150000"/>
+                <a:spcPct val="100000"/>
               </a:lnSpc>
             </a:pPr>
-            <a:endParaRPr b="0" lang="en-US" sz="1800" spc="-1" strike="noStrike">
-              <a:latin typeface="Arial"/>
-            </a:endParaRPr>
-          </a:p>
-        </p:txBody>
-      </p:sp>
-      <p:sp>
-        <p:nvSpPr>
-          <p:cNvPr id="98" name="CustomShape 2"/>
+            <a:r>
+              <a:rPr b="0" lang="en-US" sz="1000" spc="-1" strike="noStrike">
+                <a:solidFill>
+                  <a:srgbClr val="000000"/>
+                </a:solidFill>
+                <a:latin typeface="Arial"/>
+                <a:ea typeface="DejaVu Sans"/>
+              </a:rPr>
+              <a:t> </a:t>
+            </a:r>
+            <a:r>
+              <a:rPr b="0" lang="en-US" sz="1000" spc="-1" strike="noStrike">
+                <a:solidFill>
+                  <a:srgbClr val="000000"/>
+                </a:solidFill>
+                <a:latin typeface="Arial"/>
+                <a:ea typeface="DejaVu Sans"/>
+              </a:rPr>
+              <a:t>*  float x</a:t>
+            </a:r>
+            <a:endParaRPr b="0" lang="en-US" sz="1000" spc="-1" strike="noStrike">
+              <a:latin typeface="Arial"/>
+            </a:endParaRPr>
+          </a:p>
+          <a:p>
+            <a:pPr>
+              <a:lnSpc>
+                <a:spcPct val="100000"/>
+              </a:lnSpc>
+            </a:pPr>
+            <a:r>
+              <a:rPr b="0" lang="en-US" sz="1000" spc="-1" strike="noStrike">
+                <a:solidFill>
+                  <a:srgbClr val="000000"/>
+                </a:solidFill>
+                <a:latin typeface="Arial"/>
+                <a:ea typeface="DejaVu Sans"/>
+              </a:rPr>
+              <a:t> </a:t>
+            </a:r>
+            <a:r>
+              <a:rPr b="0" lang="en-US" sz="1000" spc="-1" strike="noStrike">
+                <a:solidFill>
+                  <a:srgbClr val="000000"/>
+                </a:solidFill>
+                <a:latin typeface="Arial"/>
+                <a:ea typeface="DejaVu Sans"/>
+              </a:rPr>
+              <a:t>*  float y</a:t>
+            </a:r>
+            <a:endParaRPr b="0" lang="en-US" sz="1000" spc="-1" strike="noStrike">
+              <a:latin typeface="Arial"/>
+            </a:endParaRPr>
+          </a:p>
+          <a:p>
+            <a:pPr>
+              <a:lnSpc>
+                <a:spcPct val="100000"/>
+              </a:lnSpc>
+            </a:pPr>
+            <a:r>
+              <a:rPr b="0" lang="en-US" sz="1000" spc="-1" strike="noStrike">
+                <a:solidFill>
+                  <a:srgbClr val="000000"/>
+                </a:solidFill>
+                <a:latin typeface="Arial"/>
+                <a:ea typeface="DejaVu Sans"/>
+              </a:rPr>
+              <a:t> </a:t>
+            </a:r>
+            <a:r>
+              <a:rPr b="0" lang="en-US" sz="1000" spc="-1" strike="noStrike">
+                <a:solidFill>
+                  <a:srgbClr val="000000"/>
+                </a:solidFill>
+                <a:latin typeface="Arial"/>
+                <a:ea typeface="DejaVu Sans"/>
+              </a:rPr>
+              <a:t>*  float z</a:t>
+            </a:r>
+            <a:endParaRPr b="0" lang="en-US" sz="1000" spc="-1" strike="noStrike">
+              <a:latin typeface="Arial"/>
+            </a:endParaRPr>
+          </a:p>
+          <a:p>
+            <a:pPr>
+              <a:lnSpc>
+                <a:spcPct val="100000"/>
+              </a:lnSpc>
+            </a:pPr>
+            <a:r>
+              <a:rPr b="0" lang="en-US" sz="1000" spc="-1" strike="noStrike">
+                <a:solidFill>
+                  <a:srgbClr val="000000"/>
+                </a:solidFill>
+                <a:latin typeface="Arial"/>
+                <a:ea typeface="DejaVu Sans"/>
+              </a:rPr>
+              <a:t> </a:t>
+            </a:r>
+            <a:r>
+              <a:rPr b="0" lang="en-US" sz="1000" spc="-1" strike="noStrike">
+                <a:solidFill>
+                  <a:srgbClr val="000000"/>
+                </a:solidFill>
+                <a:latin typeface="Arial"/>
+                <a:ea typeface="DejaVu Sans"/>
+              </a:rPr>
+              <a:t>*  float measure </a:t>
+            </a:r>
+            <a:endParaRPr b="0" lang="en-US" sz="1000" spc="-1" strike="noStrike">
+              <a:latin typeface="Arial"/>
+            </a:endParaRPr>
+          </a:p>
+          <a:p>
+            <a:pPr>
+              <a:lnSpc>
+                <a:spcPct val="100000"/>
+              </a:lnSpc>
+            </a:pPr>
+            <a:r>
+              <a:rPr b="0" lang="en-US" sz="1000" spc="-1" strike="noStrike">
+                <a:solidFill>
+                  <a:srgbClr val="000000"/>
+                </a:solidFill>
+                <a:latin typeface="Arial"/>
+                <a:ea typeface="DejaVu Sans"/>
+              </a:rPr>
+              <a:t> </a:t>
+            </a:r>
+            <a:r>
+              <a:rPr b="0" lang="en-US" sz="1000" spc="-1" strike="noStrike">
+                <a:solidFill>
+                  <a:srgbClr val="000000"/>
+                </a:solidFill>
+                <a:latin typeface="Arial"/>
+                <a:ea typeface="DejaVu Sans"/>
+              </a:rPr>
+              <a:t>*</a:t>
+            </a:r>
+            <a:endParaRPr b="0" lang="en-US" sz="1000" spc="-1" strike="noStrike">
+              <a:latin typeface="Arial"/>
+            </a:endParaRPr>
+          </a:p>
+          <a:p>
+            <a:pPr>
+              <a:lnSpc>
+                <a:spcPct val="100000"/>
+              </a:lnSpc>
+            </a:pPr>
+            <a:r>
+              <a:rPr b="0" lang="en-US" sz="1000" spc="-1" strike="noStrike">
+                <a:solidFill>
+                  <a:srgbClr val="000000"/>
+                </a:solidFill>
+                <a:latin typeface="Arial"/>
+                <a:ea typeface="DejaVu Sans"/>
+              </a:rPr>
+              <a:t> </a:t>
+            </a:r>
+            <a:r>
+              <a:rPr b="0" lang="en-US" sz="1000" spc="-1" strike="noStrike">
+                <a:solidFill>
+                  <a:srgbClr val="000000"/>
+                </a:solidFill>
+                <a:latin typeface="Arial"/>
+                <a:ea typeface="DejaVu Sans"/>
+              </a:rPr>
+              <a:t>* </a:t>
+            </a:r>
+            <a:r>
+              <a:rPr b="1" lang="en-US" sz="1000" spc="-1" strike="noStrike">
+                <a:solidFill>
+                  <a:srgbClr val="000000"/>
+                </a:solidFill>
+                <a:latin typeface="Arial"/>
+                <a:ea typeface="DejaVu Sans"/>
+              </a:rPr>
+              <a:t>RULES</a:t>
+            </a:r>
+            <a:r>
+              <a:rPr b="0" lang="en-US" sz="1000" spc="-1" strike="noStrike">
+                <a:solidFill>
+                  <a:srgbClr val="000000"/>
+                </a:solidFill>
+                <a:latin typeface="Arial"/>
+                <a:ea typeface="DejaVu Sans"/>
+              </a:rPr>
+              <a:t>:</a:t>
+            </a:r>
+            <a:endParaRPr b="0" lang="en-US" sz="1000" spc="-1" strike="noStrike">
+              <a:latin typeface="Arial"/>
+            </a:endParaRPr>
+          </a:p>
+          <a:p>
+            <a:pPr>
+              <a:lnSpc>
+                <a:spcPct val="100000"/>
+              </a:lnSpc>
+            </a:pPr>
+            <a:r>
+              <a:rPr b="0" lang="en-US" sz="1000" spc="-1" strike="noStrike">
+                <a:solidFill>
+                  <a:srgbClr val="000000"/>
+                </a:solidFill>
+                <a:latin typeface="Arial"/>
+                <a:ea typeface="DejaVu Sans"/>
+              </a:rPr>
+              <a:t> </a:t>
+            </a:r>
+            <a:r>
+              <a:rPr b="0" lang="en-US" sz="1000" spc="-1" strike="noStrike">
+                <a:solidFill>
+                  <a:srgbClr val="000000"/>
+                </a:solidFill>
+                <a:latin typeface="Arial"/>
+                <a:ea typeface="DejaVu Sans"/>
+              </a:rPr>
+              <a:t>*  rule 1 (cantor)(always):</a:t>
+            </a:r>
+            <a:endParaRPr b="0" lang="en-US" sz="1000" spc="-1" strike="noStrike">
+              <a:latin typeface="Arial"/>
+            </a:endParaRPr>
+          </a:p>
+          <a:p>
+            <a:pPr>
+              <a:lnSpc>
+                <a:spcPct val="100000"/>
+              </a:lnSpc>
+            </a:pPr>
+            <a:r>
+              <a:rPr b="0" lang="en-US" sz="1000" spc="-1" strike="noStrike">
+                <a:solidFill>
+                  <a:srgbClr val="000000"/>
+                </a:solidFill>
+                <a:latin typeface="Arial"/>
+                <a:ea typeface="DejaVu Sans"/>
+              </a:rPr>
+              <a:t> </a:t>
+            </a:r>
+            <a:r>
+              <a:rPr b="0" lang="en-US" sz="1000" spc="-1" strike="noStrike">
+                <a:solidFill>
+                  <a:srgbClr val="000000"/>
+                </a:solidFill>
+                <a:latin typeface="Arial"/>
+                <a:ea typeface="DejaVu Sans"/>
+              </a:rPr>
+              <a:t>*      append(PRIMITIVE(</a:t>
+            </a:r>
+            <a:endParaRPr b="0" lang="en-US" sz="1000" spc="-1" strike="noStrike">
+              <a:latin typeface="Arial"/>
+            </a:endParaRPr>
+          </a:p>
+          <a:p>
+            <a:pPr>
+              <a:lnSpc>
+                <a:spcPct val="100000"/>
+              </a:lnSpc>
+            </a:pPr>
+            <a:r>
+              <a:rPr b="0" lang="en-US" sz="1000" spc="-1" strike="noStrike">
+                <a:solidFill>
+                  <a:srgbClr val="000000"/>
+                </a:solidFill>
+                <a:latin typeface="Arial"/>
+                <a:ea typeface="DejaVu Sans"/>
+              </a:rPr>
+              <a:t> </a:t>
+            </a:r>
+            <a:r>
+              <a:rPr b="0" lang="en-US" sz="1000" spc="-1" strike="noStrike">
+                <a:solidFill>
+                  <a:srgbClr val="000000"/>
+                </a:solidFill>
+                <a:latin typeface="Arial"/>
+                <a:ea typeface="DejaVu Sans"/>
+              </a:rPr>
+              <a:t>*          cantor.x+cantor.measure*2/3,</a:t>
+            </a:r>
+            <a:endParaRPr b="0" lang="en-US" sz="1000" spc="-1" strike="noStrike">
+              <a:latin typeface="Arial"/>
+            </a:endParaRPr>
+          </a:p>
+          <a:p>
+            <a:pPr>
+              <a:lnSpc>
+                <a:spcPct val="100000"/>
+              </a:lnSpc>
+            </a:pPr>
+            <a:r>
+              <a:rPr b="0" lang="en-US" sz="1000" spc="-1" strike="noStrike">
+                <a:solidFill>
+                  <a:srgbClr val="000000"/>
+                </a:solidFill>
+                <a:latin typeface="Arial"/>
+                <a:ea typeface="DejaVu Sans"/>
+              </a:rPr>
+              <a:t> </a:t>
+            </a:r>
+            <a:r>
+              <a:rPr b="0" lang="en-US" sz="1000" spc="-1" strike="noStrike">
+                <a:solidFill>
+                  <a:srgbClr val="000000"/>
+                </a:solidFill>
+                <a:latin typeface="Arial"/>
+                <a:ea typeface="DejaVu Sans"/>
+              </a:rPr>
+              <a:t>*          cantor.y+cantor.measure*2/3,</a:t>
+            </a:r>
+            <a:endParaRPr b="0" lang="en-US" sz="1000" spc="-1" strike="noStrike">
+              <a:latin typeface="Arial"/>
+            </a:endParaRPr>
+          </a:p>
+          <a:p>
+            <a:pPr>
+              <a:lnSpc>
+                <a:spcPct val="100000"/>
+              </a:lnSpc>
+            </a:pPr>
+            <a:r>
+              <a:rPr b="0" lang="en-US" sz="1000" spc="-1" strike="noStrike">
+                <a:solidFill>
+                  <a:srgbClr val="000000"/>
+                </a:solidFill>
+                <a:latin typeface="Arial"/>
+                <a:ea typeface="DejaVu Sans"/>
+              </a:rPr>
+              <a:t> </a:t>
+            </a:r>
+            <a:r>
+              <a:rPr b="0" lang="en-US" sz="1000" spc="-1" strike="noStrike">
+                <a:solidFill>
+                  <a:srgbClr val="000000"/>
+                </a:solidFill>
+                <a:latin typeface="Arial"/>
+                <a:ea typeface="DejaVu Sans"/>
+              </a:rPr>
+              <a:t>*          cantor.z+cantor.measure*2/3,</a:t>
+            </a:r>
+            <a:endParaRPr b="0" lang="en-US" sz="1000" spc="-1" strike="noStrike">
+              <a:latin typeface="Arial"/>
+            </a:endParaRPr>
+          </a:p>
+          <a:p>
+            <a:pPr>
+              <a:lnSpc>
+                <a:spcPct val="100000"/>
+              </a:lnSpc>
+            </a:pPr>
+            <a:r>
+              <a:rPr b="0" lang="en-US" sz="1000" spc="-1" strike="noStrike">
+                <a:solidFill>
+                  <a:srgbClr val="000000"/>
+                </a:solidFill>
+                <a:latin typeface="Arial"/>
+                <a:ea typeface="DejaVu Sans"/>
+              </a:rPr>
+              <a:t> </a:t>
+            </a:r>
+            <a:r>
+              <a:rPr b="0" lang="en-US" sz="1000" spc="-1" strike="noStrike">
+                <a:solidFill>
+                  <a:srgbClr val="000000"/>
+                </a:solidFill>
+                <a:latin typeface="Arial"/>
+                <a:ea typeface="DejaVu Sans"/>
+              </a:rPr>
+              <a:t>*          cantor.measure/3</a:t>
+            </a:r>
+            <a:endParaRPr b="0" lang="en-US" sz="1000" spc="-1" strike="noStrike">
+              <a:latin typeface="Arial"/>
+            </a:endParaRPr>
+          </a:p>
+          <a:p>
+            <a:pPr>
+              <a:lnSpc>
+                <a:spcPct val="100000"/>
+              </a:lnSpc>
+            </a:pPr>
+            <a:r>
+              <a:rPr b="0" lang="en-US" sz="1000" spc="-1" strike="noStrike">
+                <a:solidFill>
+                  <a:srgbClr val="000000"/>
+                </a:solidFill>
+                <a:latin typeface="Arial"/>
+                <a:ea typeface="DejaVu Sans"/>
+              </a:rPr>
+              <a:t> </a:t>
+            </a:r>
+            <a:r>
+              <a:rPr b="0" lang="en-US" sz="1000" spc="-1" strike="noStrike">
+                <a:solidFill>
+                  <a:srgbClr val="000000"/>
+                </a:solidFill>
+                <a:latin typeface="Arial"/>
+                <a:ea typeface="DejaVu Sans"/>
+              </a:rPr>
+              <a:t>*          )</a:t>
+            </a:r>
+            <a:endParaRPr b="0" lang="en-US" sz="1000" spc="-1" strike="noStrike">
+              <a:latin typeface="Arial"/>
+            </a:endParaRPr>
+          </a:p>
+          <a:p>
+            <a:pPr>
+              <a:lnSpc>
+                <a:spcPct val="100000"/>
+              </a:lnSpc>
+            </a:pPr>
+            <a:r>
+              <a:rPr b="0" lang="en-US" sz="1000" spc="-1" strike="noStrike">
+                <a:solidFill>
+                  <a:srgbClr val="000000"/>
+                </a:solidFill>
+                <a:latin typeface="Arial"/>
+                <a:ea typeface="DejaVu Sans"/>
+              </a:rPr>
+              <a:t> </a:t>
+            </a:r>
+            <a:r>
+              <a:rPr b="0" lang="en-US" sz="1000" spc="-1" strike="noStrike">
+                <a:solidFill>
+                  <a:srgbClr val="000000"/>
+                </a:solidFill>
+                <a:latin typeface="Arial"/>
+                <a:ea typeface="DejaVu Sans"/>
+              </a:rPr>
+              <a:t>*</a:t>
+            </a:r>
+            <a:endParaRPr b="0" lang="en-US" sz="1000" spc="-1" strike="noStrike">
+              <a:latin typeface="Arial"/>
+            </a:endParaRPr>
+          </a:p>
+          <a:p>
+            <a:pPr>
+              <a:lnSpc>
+                <a:spcPct val="100000"/>
+              </a:lnSpc>
+            </a:pPr>
+            <a:r>
+              <a:rPr b="0" lang="en-US" sz="1000" spc="-1" strike="noStrike">
+                <a:solidFill>
+                  <a:srgbClr val="000000"/>
+                </a:solidFill>
+                <a:latin typeface="Arial"/>
+                <a:ea typeface="DejaVu Sans"/>
+              </a:rPr>
+              <a:t> </a:t>
+            </a:r>
+            <a:r>
+              <a:rPr b="0" lang="en-US" sz="1000" spc="-1" strike="noStrike">
+                <a:solidFill>
+                  <a:srgbClr val="000000"/>
+                </a:solidFill>
+                <a:latin typeface="Arial"/>
+                <a:ea typeface="DejaVu Sans"/>
+              </a:rPr>
+              <a:t>*      append(PRIMITIVE(</a:t>
+            </a:r>
+            <a:endParaRPr b="0" lang="en-US" sz="1000" spc="-1" strike="noStrike">
+              <a:latin typeface="Arial"/>
+            </a:endParaRPr>
+          </a:p>
+          <a:p>
+            <a:pPr>
+              <a:lnSpc>
+                <a:spcPct val="100000"/>
+              </a:lnSpc>
+            </a:pPr>
+            <a:r>
+              <a:rPr b="0" lang="en-US" sz="1000" spc="-1" strike="noStrike">
+                <a:solidFill>
+                  <a:srgbClr val="000000"/>
+                </a:solidFill>
+                <a:latin typeface="Arial"/>
+                <a:ea typeface="DejaVu Sans"/>
+              </a:rPr>
+              <a:t> </a:t>
+            </a:r>
+            <a:r>
+              <a:rPr b="0" lang="en-US" sz="1000" spc="-1" strike="noStrike">
+                <a:solidFill>
+                  <a:srgbClr val="000000"/>
+                </a:solidFill>
+                <a:latin typeface="Arial"/>
+                <a:ea typeface="DejaVu Sans"/>
+              </a:rPr>
+              <a:t>*          cantor.x-cantor.measure*2/3,</a:t>
+            </a:r>
+            <a:endParaRPr b="0" lang="en-US" sz="1000" spc="-1" strike="noStrike">
+              <a:latin typeface="Arial"/>
+            </a:endParaRPr>
+          </a:p>
+          <a:p>
+            <a:pPr>
+              <a:lnSpc>
+                <a:spcPct val="100000"/>
+              </a:lnSpc>
+            </a:pPr>
+            <a:r>
+              <a:rPr b="0" lang="en-US" sz="1000" spc="-1" strike="noStrike">
+                <a:solidFill>
+                  <a:srgbClr val="000000"/>
+                </a:solidFill>
+                <a:latin typeface="Arial"/>
+                <a:ea typeface="DejaVu Sans"/>
+              </a:rPr>
+              <a:t> </a:t>
+            </a:r>
+            <a:r>
+              <a:rPr b="0" lang="en-US" sz="1000" spc="-1" strike="noStrike">
+                <a:solidFill>
+                  <a:srgbClr val="000000"/>
+                </a:solidFill>
+                <a:latin typeface="Arial"/>
+                <a:ea typeface="DejaVu Sans"/>
+              </a:rPr>
+              <a:t>*          cantor.y+cantor.measure*2/3,</a:t>
+            </a:r>
+            <a:endParaRPr b="0" lang="en-US" sz="1000" spc="-1" strike="noStrike">
+              <a:latin typeface="Arial"/>
+            </a:endParaRPr>
+          </a:p>
+          <a:p>
+            <a:pPr>
+              <a:lnSpc>
+                <a:spcPct val="100000"/>
+              </a:lnSpc>
+            </a:pPr>
+            <a:r>
+              <a:rPr b="0" lang="en-US" sz="1000" spc="-1" strike="noStrike">
+                <a:solidFill>
+                  <a:srgbClr val="000000"/>
+                </a:solidFill>
+                <a:latin typeface="Arial"/>
+                <a:ea typeface="DejaVu Sans"/>
+              </a:rPr>
+              <a:t> </a:t>
+            </a:r>
+            <a:r>
+              <a:rPr b="0" lang="en-US" sz="1000" spc="-1" strike="noStrike">
+                <a:solidFill>
+                  <a:srgbClr val="000000"/>
+                </a:solidFill>
+                <a:latin typeface="Arial"/>
+                <a:ea typeface="DejaVu Sans"/>
+              </a:rPr>
+              <a:t>*          cantor.z+cantor.measure*2/3,</a:t>
+            </a:r>
+            <a:endParaRPr b="0" lang="en-US" sz="1000" spc="-1" strike="noStrike">
+              <a:latin typeface="Arial"/>
+            </a:endParaRPr>
+          </a:p>
+          <a:p>
+            <a:pPr>
+              <a:lnSpc>
+                <a:spcPct val="100000"/>
+              </a:lnSpc>
+            </a:pPr>
+            <a:r>
+              <a:rPr b="0" lang="en-US" sz="1000" spc="-1" strike="noStrike">
+                <a:solidFill>
+                  <a:srgbClr val="000000"/>
+                </a:solidFill>
+                <a:latin typeface="Arial"/>
+                <a:ea typeface="DejaVu Sans"/>
+              </a:rPr>
+              <a:t> </a:t>
+            </a:r>
+            <a:r>
+              <a:rPr b="0" lang="en-US" sz="1000" spc="-1" strike="noStrike">
+                <a:solidFill>
+                  <a:srgbClr val="000000"/>
+                </a:solidFill>
+                <a:latin typeface="Arial"/>
+                <a:ea typeface="DejaVu Sans"/>
+              </a:rPr>
+              <a:t>*          cantor.measure/3</a:t>
+            </a:r>
+            <a:endParaRPr b="0" lang="en-US" sz="1000" spc="-1" strike="noStrike">
+              <a:latin typeface="Arial"/>
+            </a:endParaRPr>
+          </a:p>
+          <a:p>
+            <a:pPr>
+              <a:lnSpc>
+                <a:spcPct val="100000"/>
+              </a:lnSpc>
+            </a:pPr>
+            <a:r>
+              <a:rPr b="0" lang="en-US" sz="1000" spc="-1" strike="noStrike">
+                <a:solidFill>
+                  <a:srgbClr val="000000"/>
+                </a:solidFill>
+                <a:latin typeface="Arial"/>
+                <a:ea typeface="DejaVu Sans"/>
+              </a:rPr>
+              <a:t> </a:t>
+            </a:r>
+            <a:r>
+              <a:rPr b="0" lang="en-US" sz="1000" spc="-1" strike="noStrike">
+                <a:solidFill>
+                  <a:srgbClr val="000000"/>
+                </a:solidFill>
+                <a:latin typeface="Arial"/>
+                <a:ea typeface="DejaVu Sans"/>
+              </a:rPr>
+              <a:t>*          )</a:t>
+            </a:r>
+            <a:endParaRPr b="0" lang="en-US" sz="1000" spc="-1" strike="noStrike">
+              <a:latin typeface="Arial"/>
+            </a:endParaRPr>
+          </a:p>
+          <a:p>
+            <a:pPr>
+              <a:lnSpc>
+                <a:spcPct val="100000"/>
+              </a:lnSpc>
+            </a:pPr>
+            <a:r>
+              <a:rPr b="0" lang="en-US" sz="1000" spc="-1" strike="noStrike">
+                <a:solidFill>
+                  <a:srgbClr val="000000"/>
+                </a:solidFill>
+                <a:latin typeface="Arial"/>
+                <a:ea typeface="DejaVu Sans"/>
+              </a:rPr>
+              <a:t> </a:t>
+            </a:r>
+            <a:r>
+              <a:rPr b="0" lang="en-US" sz="1000" spc="-1" strike="noStrike">
+                <a:solidFill>
+                  <a:srgbClr val="000000"/>
+                </a:solidFill>
+                <a:latin typeface="Arial"/>
+                <a:ea typeface="DejaVu Sans"/>
+              </a:rPr>
+              <a:t>*      ...</a:t>
+            </a:r>
+            <a:endParaRPr b="0" lang="en-US" sz="1000" spc="-1" strike="noStrike">
+              <a:latin typeface="Arial"/>
+            </a:endParaRPr>
+          </a:p>
+          <a:p>
+            <a:pPr>
+              <a:lnSpc>
+                <a:spcPct val="100000"/>
+              </a:lnSpc>
+            </a:pPr>
+            <a:r>
+              <a:rPr b="0" lang="en-US" sz="1000" spc="-1" strike="noStrike">
+                <a:solidFill>
+                  <a:srgbClr val="000000"/>
+                </a:solidFill>
+                <a:latin typeface="Arial"/>
+                <a:ea typeface="DejaVu Sans"/>
+              </a:rPr>
+              <a:t>         </a:t>
+            </a:r>
+            <a:r>
+              <a:rPr b="0" lang="en-US" sz="1000" spc="-1" strike="noStrike">
+                <a:solidFill>
+                  <a:srgbClr val="000000"/>
+                </a:solidFill>
+                <a:latin typeface="Arial"/>
+                <a:ea typeface="DejaVu Sans"/>
+              </a:rPr>
+              <a:t>*append(PRIMITIVE(</a:t>
+            </a:r>
+            <a:endParaRPr b="0" lang="en-US" sz="1000" spc="-1" strike="noStrike">
+              <a:latin typeface="Arial"/>
+            </a:endParaRPr>
+          </a:p>
+          <a:p>
+            <a:pPr>
+              <a:lnSpc>
+                <a:spcPct val="100000"/>
+              </a:lnSpc>
+            </a:pPr>
+            <a:r>
+              <a:rPr b="0" lang="en-US" sz="1000" spc="-1" strike="noStrike">
+                <a:solidFill>
+                  <a:srgbClr val="000000"/>
+                </a:solidFill>
+                <a:latin typeface="Arial"/>
+                <a:ea typeface="DejaVu Sans"/>
+              </a:rPr>
+              <a:t> </a:t>
+            </a:r>
+            <a:r>
+              <a:rPr b="0" lang="en-US" sz="1000" spc="-1" strike="noStrike">
+                <a:solidFill>
+                  <a:srgbClr val="000000"/>
+                </a:solidFill>
+                <a:latin typeface="Arial"/>
+                <a:ea typeface="DejaVu Sans"/>
+              </a:rPr>
+              <a:t>*          cantor.x-cantor.measure*2/3,</a:t>
+            </a:r>
+            <a:endParaRPr b="0" lang="en-US" sz="1000" spc="-1" strike="noStrike">
+              <a:latin typeface="Arial"/>
+            </a:endParaRPr>
+          </a:p>
+          <a:p>
+            <a:pPr>
+              <a:lnSpc>
+                <a:spcPct val="100000"/>
+              </a:lnSpc>
+            </a:pPr>
+            <a:r>
+              <a:rPr b="0" lang="en-US" sz="1000" spc="-1" strike="noStrike">
+                <a:solidFill>
+                  <a:srgbClr val="000000"/>
+                </a:solidFill>
+                <a:latin typeface="Arial"/>
+                <a:ea typeface="DejaVu Sans"/>
+              </a:rPr>
+              <a:t> </a:t>
+            </a:r>
+            <a:r>
+              <a:rPr b="0" lang="en-US" sz="1000" spc="-1" strike="noStrike">
+                <a:solidFill>
+                  <a:srgbClr val="000000"/>
+                </a:solidFill>
+                <a:latin typeface="Arial"/>
+                <a:ea typeface="DejaVu Sans"/>
+              </a:rPr>
+              <a:t>*          cantor.y-cantor.measure*2/3,</a:t>
+            </a:r>
+            <a:endParaRPr b="0" lang="en-US" sz="1000" spc="-1" strike="noStrike">
+              <a:latin typeface="Arial"/>
+            </a:endParaRPr>
+          </a:p>
+          <a:p>
+            <a:pPr>
+              <a:lnSpc>
+                <a:spcPct val="100000"/>
+              </a:lnSpc>
+            </a:pPr>
+            <a:r>
+              <a:rPr b="0" lang="en-US" sz="1000" spc="-1" strike="noStrike">
+                <a:solidFill>
+                  <a:srgbClr val="000000"/>
+                </a:solidFill>
+                <a:latin typeface="Arial"/>
+                <a:ea typeface="DejaVu Sans"/>
+              </a:rPr>
+              <a:t> </a:t>
+            </a:r>
+            <a:r>
+              <a:rPr b="0" lang="en-US" sz="1000" spc="-1" strike="noStrike">
+                <a:solidFill>
+                  <a:srgbClr val="000000"/>
+                </a:solidFill>
+                <a:latin typeface="Arial"/>
+                <a:ea typeface="DejaVu Sans"/>
+              </a:rPr>
+              <a:t>*          cantor.z-cantor.measure*2/3,</a:t>
+            </a:r>
+            <a:endParaRPr b="0" lang="en-US" sz="1000" spc="-1" strike="noStrike">
+              <a:latin typeface="Arial"/>
+            </a:endParaRPr>
+          </a:p>
+          <a:p>
+            <a:pPr>
+              <a:lnSpc>
+                <a:spcPct val="100000"/>
+              </a:lnSpc>
+            </a:pPr>
+            <a:r>
+              <a:rPr b="0" lang="en-US" sz="1000" spc="-1" strike="noStrike">
+                <a:solidFill>
+                  <a:srgbClr val="000000"/>
+                </a:solidFill>
+                <a:latin typeface="Arial"/>
+                <a:ea typeface="DejaVu Sans"/>
+              </a:rPr>
+              <a:t> </a:t>
+            </a:r>
+            <a:r>
+              <a:rPr b="0" lang="en-US" sz="1000" spc="-1" strike="noStrike">
+                <a:solidFill>
+                  <a:srgbClr val="000000"/>
+                </a:solidFill>
+                <a:latin typeface="Arial"/>
+                <a:ea typeface="DejaVu Sans"/>
+              </a:rPr>
+              <a:t>*          cantor.measure/3</a:t>
+            </a:r>
+            <a:endParaRPr b="0" lang="en-US" sz="1000" spc="-1" strike="noStrike">
+              <a:latin typeface="Arial"/>
+            </a:endParaRPr>
+          </a:p>
+          <a:p>
+            <a:pPr>
+              <a:lnSpc>
+                <a:spcPct val="100000"/>
+              </a:lnSpc>
+            </a:pPr>
+            <a:r>
+              <a:rPr b="0" lang="en-US" sz="1000" spc="-1" strike="noStrike">
+                <a:solidFill>
+                  <a:srgbClr val="000000"/>
+                </a:solidFill>
+                <a:latin typeface="Arial"/>
+                <a:ea typeface="DejaVu Sans"/>
+              </a:rPr>
+              <a:t> </a:t>
+            </a:r>
+            <a:r>
+              <a:rPr b="0" lang="en-US" sz="1000" spc="-1" strike="noStrike">
+                <a:solidFill>
+                  <a:srgbClr val="000000"/>
+                </a:solidFill>
+                <a:latin typeface="Arial"/>
+                <a:ea typeface="DejaVu Sans"/>
+              </a:rPr>
+              <a:t>*          )</a:t>
+            </a:r>
+            <a:endParaRPr b="0" lang="en-US" sz="1000" spc="-1" strike="noStrike">
+              <a:latin typeface="Arial"/>
+            </a:endParaRPr>
+          </a:p>
+          <a:p>
+            <a:pPr>
+              <a:lnSpc>
+                <a:spcPct val="100000"/>
+              </a:lnSpc>
+            </a:pPr>
+            <a:endParaRPr b="0" lang="en-US" sz="1000" spc="-1" strike="noStrike">
+              <a:latin typeface="Arial"/>
+            </a:endParaRPr>
+          </a:p>
+        </p:txBody>
+      </p:sp>
+      <p:sp>
+        <p:nvSpPr>
+          <p:cNvPr id="101" name="CustomShape 2"/>
           <p:cNvSpPr/>
           <p:nvPr/>
         </p:nvSpPr>
         <p:spPr>
           <a:xfrm>
             <a:off x="496080" y="548640"/>
-            <a:ext cx="2890080" cy="657000"/>
+            <a:ext cx="1760040" cy="656280"/>
           </a:xfrm>
           <a:prstGeom prst="rect">
             <a:avLst/>
@@ -5444,11 +6174,72 @@
           <a:p>
             <a:r>
               <a:rPr b="0" lang="en-US" sz="4000" spc="-1" strike="noStrike">
-                <a:latin typeface="Arial"/>
-              </a:rPr>
-              <a:t>Architektúra</a:t>
+                <a:solidFill>
+                  <a:srgbClr val="000000"/>
+                </a:solidFill>
+                <a:latin typeface="Arial"/>
+                <a:ea typeface="DejaVu Sans"/>
+              </a:rPr>
+              <a:t>Príklad</a:t>
             </a:r>
             <a:endParaRPr b="0" lang="en-US" sz="4000" spc="-1" strike="noStrike">
+              <a:latin typeface="Arial"/>
+            </a:endParaRPr>
+          </a:p>
+        </p:txBody>
+      </p:sp>
+      <p:pic>
+        <p:nvPicPr>
+          <p:cNvPr id="102" name="" descr=""/>
+          <p:cNvPicPr/>
+          <p:nvPr/>
+        </p:nvPicPr>
+        <p:blipFill>
+          <a:blip r:embed="rId1"/>
+          <a:stretch/>
+        </p:blipFill>
+        <p:spPr>
+          <a:xfrm>
+            <a:off x="3108960" y="1021680"/>
+            <a:ext cx="5574240" cy="4921920"/>
+          </a:xfrm>
+          <a:prstGeom prst="rect">
+            <a:avLst/>
+          </a:prstGeom>
+          <a:ln>
+            <a:noFill/>
+          </a:ln>
+        </p:spPr>
+      </p:pic>
+      <p:sp>
+        <p:nvSpPr>
+          <p:cNvPr id="103" name="TextShape 3"/>
+          <p:cNvSpPr txBox="1"/>
+          <p:nvPr/>
+        </p:nvSpPr>
+        <p:spPr>
+          <a:xfrm>
+            <a:off x="3915360" y="5762160"/>
+            <a:ext cx="2076480" cy="346320"/>
+          </a:xfrm>
+          <a:prstGeom prst="rect">
+            <a:avLst/>
+          </a:prstGeom>
+          <a:noFill/>
+          <a:ln>
+            <a:noFill/>
+          </a:ln>
+        </p:spPr>
+        <p:txBody>
+          <a:bodyPr lIns="90000" rIns="90000" tIns="45000" bIns="45000"/>
+          <a:p>
+            <a:r>
+              <a:rPr b="0" lang="en-US" sz="1800" spc="-1" strike="noStrike">
+                <a:latin typeface="Arial"/>
+              </a:rPr>
+              <a:t>Cantor Cube (n=3)</a:t>
+            </a:r>
+            <a:endParaRPr b="0" lang="en-US" sz="1800" spc="-1" strike="noStrike">
               <a:latin typeface="Arial"/>
             </a:endParaRPr>
           </a:p>
@@ -5505,14 +6296,14 @@
       </p:grpSpPr>
       <p:sp>
         <p:nvSpPr>
-          <p:cNvPr id="99" name="CustomShape 1"/>
+          <p:cNvPr id="104" name="CustomShape 1"/>
           <p:cNvSpPr/>
           <p:nvPr/>
         </p:nvSpPr>
         <p:spPr>
           <a:xfrm>
-            <a:off x="365760" y="1811520"/>
-            <a:ext cx="8412120" cy="4203360"/>
+            <a:off x="365760" y="1559520"/>
+            <a:ext cx="8411400" cy="5334120"/>
           </a:xfrm>
           <a:prstGeom prst="rect">
             <a:avLst/>
@@ -5531,661 +6322,331 @@
         <p:txBody>
           <a:bodyPr lIns="90000" rIns="90000" tIns="45000" bIns="45000"/>
           <a:p>
+            <a:pPr marL="216000" indent="-214920">
+              <a:lnSpc>
+                <a:spcPct val="150000"/>
+              </a:lnSpc>
+              <a:buClr>
+                <a:srgbClr val="000000"/>
+              </a:buClr>
+              <a:buSzPct val="45000"/>
+              <a:buFont typeface="Wingdings" charset="2"/>
+              <a:buChar char=""/>
+            </a:pPr>
+            <a:r>
+              <a:rPr b="0" lang="en-US" sz="1800" spc="-1" strike="noStrike">
+                <a:solidFill>
+                  <a:srgbClr val="000000"/>
+                </a:solidFill>
+                <a:latin typeface="Arial"/>
+                <a:ea typeface="DejaVu Sans"/>
+              </a:rPr>
+              <a:t>Lexer / parsér</a:t>
+            </a:r>
+            <a:endParaRPr b="0" lang="en-US" sz="1800" spc="-1" strike="noStrike">
+              <a:latin typeface="Arial"/>
+            </a:endParaRPr>
+          </a:p>
+          <a:p>
+            <a:pPr lvl="1" marL="432000" indent="-214920">
+              <a:lnSpc>
+                <a:spcPct val="150000"/>
+              </a:lnSpc>
+              <a:buClr>
+                <a:srgbClr val="000000"/>
+              </a:buClr>
+              <a:buSzPct val="45000"/>
+              <a:buFont typeface="Wingdings" charset="2"/>
+              <a:buChar char=""/>
+            </a:pPr>
+            <a:r>
+              <a:rPr b="0" lang="en-US" sz="1800" spc="-1" strike="noStrike">
+                <a:solidFill>
+                  <a:srgbClr val="000000"/>
+                </a:solidFill>
+                <a:latin typeface="Arial"/>
+                <a:ea typeface="DejaVu Sans"/>
+              </a:rPr>
+              <a:t>Napr. </a:t>
+            </a:r>
+            <a:r>
+              <a:rPr b="1" lang="en-US" sz="1800" spc="-1" strike="noStrike">
+                <a:solidFill>
+                  <a:srgbClr val="000000"/>
+                </a:solidFill>
+                <a:latin typeface="Arial"/>
+                <a:ea typeface="DejaVu Sans"/>
+              </a:rPr>
+              <a:t>Bison/Flex</a:t>
+            </a:r>
+            <a:r>
+              <a:rPr b="0" lang="en-US" sz="1800" spc="-1" strike="noStrike">
+                <a:solidFill>
+                  <a:srgbClr val="000000"/>
+                </a:solidFill>
+                <a:latin typeface="Arial"/>
+                <a:ea typeface="DejaVu Sans"/>
+              </a:rPr>
+              <a:t> (LR)</a:t>
+            </a:r>
+            <a:endParaRPr b="0" lang="en-US" sz="1800" spc="-1" strike="noStrike">
+              <a:latin typeface="Arial"/>
+            </a:endParaRPr>
+          </a:p>
+          <a:p>
+            <a:pPr marL="216000" indent="-214920">
+              <a:lnSpc>
+                <a:spcPct val="150000"/>
+              </a:lnSpc>
+              <a:buClr>
+                <a:srgbClr val="000000"/>
+              </a:buClr>
+              <a:buSzPct val="45000"/>
+              <a:buFont typeface="Wingdings" charset="2"/>
+              <a:buChar char=""/>
+            </a:pPr>
+            <a:r>
+              <a:rPr b="0" lang="en-US" sz="1800" spc="-1" strike="noStrike">
+                <a:solidFill>
+                  <a:srgbClr val="000000"/>
+                </a:solidFill>
+                <a:latin typeface="Arial"/>
+                <a:ea typeface="DejaVu Sans"/>
+              </a:rPr>
+              <a:t>Interprét</a:t>
+            </a:r>
+            <a:endParaRPr b="0" lang="en-US" sz="1800" spc="-1" strike="noStrike">
+              <a:latin typeface="Arial"/>
+            </a:endParaRPr>
+          </a:p>
+          <a:p>
+            <a:pPr lvl="1" marL="432000" indent="-214920">
+              <a:lnSpc>
+                <a:spcPct val="150000"/>
+              </a:lnSpc>
+              <a:buClr>
+                <a:srgbClr val="000000"/>
+              </a:buClr>
+              <a:buSzPct val="45000"/>
+              <a:buFont typeface="Wingdings" charset="2"/>
+              <a:buChar char=""/>
+            </a:pPr>
+            <a:r>
+              <a:rPr b="1" lang="en-US" sz="1800" spc="-1" strike="noStrike">
+                <a:solidFill>
+                  <a:srgbClr val="000000"/>
+                </a:solidFill>
+                <a:latin typeface="Arial"/>
+                <a:ea typeface="DejaVu Sans"/>
+              </a:rPr>
+              <a:t>Typované</a:t>
+            </a:r>
+            <a:r>
+              <a:rPr b="0" lang="en-US" sz="1800" spc="-1" strike="noStrike">
+                <a:solidFill>
+                  <a:srgbClr val="000000"/>
+                </a:solidFill>
+                <a:latin typeface="Arial"/>
+                <a:ea typeface="DejaVu Sans"/>
+              </a:rPr>
+              <a:t> zdroje (resources)</a:t>
+            </a:r>
+            <a:endParaRPr b="0" lang="en-US" sz="1800" spc="-1" strike="noStrike">
+              <a:latin typeface="Arial"/>
+            </a:endParaRPr>
+          </a:p>
+          <a:p>
+            <a:pPr lvl="1" marL="432000" indent="-214920">
+              <a:lnSpc>
+                <a:spcPct val="150000"/>
+              </a:lnSpc>
+              <a:buClr>
+                <a:srgbClr val="000000"/>
+              </a:buClr>
+              <a:buSzPct val="45000"/>
+              <a:buFont typeface="Wingdings" charset="2"/>
+              <a:buChar char=""/>
+            </a:pPr>
+            <a:r>
+              <a:rPr b="0" lang="en-US" sz="1800" spc="-1" strike="noStrike">
+                <a:solidFill>
+                  <a:srgbClr val="000000"/>
+                </a:solidFill>
+                <a:latin typeface="Arial"/>
+                <a:ea typeface="DejaVu Sans"/>
+              </a:rPr>
+              <a:t>Objektovo-orientované </a:t>
+            </a:r>
+            <a:r>
+              <a:rPr b="1" lang="en-US" sz="1800" spc="-1" strike="noStrike">
+                <a:solidFill>
+                  <a:srgbClr val="000000"/>
+                </a:solidFill>
+                <a:latin typeface="Arial"/>
+                <a:ea typeface="DejaVu Sans"/>
+              </a:rPr>
+              <a:t>funkčné bloky</a:t>
+            </a:r>
+            <a:endParaRPr b="0" lang="en-US" sz="1800" spc="-1" strike="noStrike">
+              <a:latin typeface="Arial"/>
+            </a:endParaRPr>
+          </a:p>
+          <a:p>
+            <a:pPr marL="216000" indent="-214920">
+              <a:lnSpc>
+                <a:spcPct val="150000"/>
+              </a:lnSpc>
+              <a:buClr>
+                <a:srgbClr val="000000"/>
+              </a:buClr>
+              <a:buSzPct val="45000"/>
+              <a:buFont typeface="Wingdings" charset="2"/>
+              <a:buChar char=""/>
+            </a:pPr>
+            <a:r>
+              <a:rPr b="0" lang="en-US" sz="1800" spc="-1" strike="noStrike">
+                <a:solidFill>
+                  <a:srgbClr val="000000"/>
+                </a:solidFill>
+                <a:latin typeface="Arial"/>
+                <a:ea typeface="DejaVu Sans"/>
+              </a:rPr>
+              <a:t>Derivačný systém</a:t>
+            </a:r>
+            <a:endParaRPr b="0" lang="en-US" sz="1800" spc="-1" strike="noStrike">
+              <a:latin typeface="Arial"/>
+            </a:endParaRPr>
+          </a:p>
+          <a:p>
+            <a:pPr lvl="1" marL="432000" indent="-214920">
+              <a:lnSpc>
+                <a:spcPct val="150000"/>
+              </a:lnSpc>
+              <a:buClr>
+                <a:srgbClr val="000000"/>
+              </a:buClr>
+              <a:buSzPct val="45000"/>
+              <a:buFont typeface="Wingdings" charset="2"/>
+              <a:buChar char=""/>
+            </a:pPr>
+            <a:r>
+              <a:rPr b="0" lang="en-US" sz="1800" spc="-1" strike="noStrike">
+                <a:solidFill>
+                  <a:srgbClr val="000000"/>
+                </a:solidFill>
+                <a:latin typeface="Arial"/>
+                <a:ea typeface="DejaVu Sans"/>
+              </a:rPr>
+              <a:t>Parametrické </a:t>
+            </a:r>
+            <a:r>
+              <a:rPr b="1" lang="en-US" sz="1800" spc="-1" strike="noStrike">
+                <a:solidFill>
+                  <a:srgbClr val="000000"/>
+                </a:solidFill>
+                <a:latin typeface="Arial"/>
+                <a:ea typeface="DejaVu Sans"/>
+              </a:rPr>
+              <a:t>pravidlá</a:t>
+            </a:r>
+            <a:r>
+              <a:rPr b="0" lang="en-US" sz="1800" spc="-1" strike="noStrike">
+                <a:solidFill>
+                  <a:srgbClr val="000000"/>
+                </a:solidFill>
+                <a:latin typeface="Arial"/>
+                <a:ea typeface="DejaVu Sans"/>
+              </a:rPr>
+              <a:t> s podmienkami</a:t>
+            </a:r>
+            <a:endParaRPr b="0" lang="en-US" sz="1800" spc="-1" strike="noStrike">
+              <a:latin typeface="Arial"/>
+            </a:endParaRPr>
+          </a:p>
+          <a:p>
+            <a:pPr lvl="1" marL="432000" indent="-214920">
+              <a:lnSpc>
+                <a:spcPct val="150000"/>
+              </a:lnSpc>
+              <a:buClr>
+                <a:srgbClr val="000000"/>
+              </a:buClr>
+              <a:buSzPct val="45000"/>
+              <a:buFont typeface="Wingdings" charset="2"/>
+              <a:buChar char=""/>
+            </a:pPr>
+            <a:r>
+              <a:rPr b="0" lang="en-US" sz="1800" spc="-1" strike="noStrike">
+                <a:solidFill>
+                  <a:srgbClr val="000000"/>
+                </a:solidFill>
+                <a:latin typeface="Arial"/>
+                <a:ea typeface="DejaVu Sans"/>
+              </a:rPr>
+              <a:t>Pseudo-DOM systém pre prístup k parentom / okoliu (</a:t>
+            </a:r>
+            <a:r>
+              <a:rPr b="1" lang="en-US" sz="1800" spc="-1" strike="noStrike">
+                <a:solidFill>
+                  <a:srgbClr val="000000"/>
+                </a:solidFill>
+                <a:latin typeface="Arial"/>
+                <a:ea typeface="DejaVu Sans"/>
+              </a:rPr>
+              <a:t>kontextovosť</a:t>
+            </a:r>
+            <a:r>
+              <a:rPr b="0" lang="en-US" sz="1800" spc="-1" strike="noStrike">
+                <a:solidFill>
+                  <a:srgbClr val="000000"/>
+                </a:solidFill>
+                <a:latin typeface="Arial"/>
+                <a:ea typeface="DejaVu Sans"/>
+              </a:rPr>
+              <a:t>)</a:t>
+            </a:r>
+            <a:endParaRPr b="0" lang="en-US" sz="1800" spc="-1" strike="noStrike">
+              <a:latin typeface="Arial"/>
+            </a:endParaRPr>
+          </a:p>
+          <a:p>
+            <a:pPr marL="216000" indent="-214920">
+              <a:lnSpc>
+                <a:spcPct val="150000"/>
+              </a:lnSpc>
+              <a:buClr>
+                <a:srgbClr val="000000"/>
+              </a:buClr>
+              <a:buSzPct val="45000"/>
+              <a:buFont typeface="Wingdings" charset="2"/>
+              <a:buChar char=""/>
+            </a:pPr>
+            <a:endParaRPr b="0" lang="en-US" sz="1800" spc="-1" strike="noStrike">
+              <a:latin typeface="Arial"/>
+            </a:endParaRPr>
+          </a:p>
+          <a:p>
             <a:pPr>
               <a:lnSpc>
-                <a:spcPct val="100000"/>
+                <a:spcPct val="150000"/>
               </a:lnSpc>
             </a:pPr>
-            <a:r>
-              <a:rPr b="0" lang="en-US" sz="1000" spc="-1" strike="noStrike">
-                <a:latin typeface="Arial"/>
-              </a:rPr>
-              <a:t>* </a:t>
-            </a:r>
-            <a:r>
-              <a:rPr b="1" lang="en-US" sz="1000" spc="-1" strike="noStrike">
-                <a:latin typeface="Arial"/>
-              </a:rPr>
-              <a:t>CANTOR</a:t>
-            </a:r>
-            <a:r>
-              <a:rPr b="0" lang="en-US" sz="1000" spc="-1" strike="noStrike">
-                <a:latin typeface="Arial"/>
-              </a:rPr>
-              <a:t>:</a:t>
-            </a:r>
-            <a:endParaRPr b="0" lang="en-US" sz="1000" spc="-1" strike="noStrike">
-              <a:latin typeface="Arial"/>
-            </a:endParaRPr>
-          </a:p>
-          <a:p>
-            <a:pPr>
-              <a:lnSpc>
-                <a:spcPct val="100000"/>
-              </a:lnSpc>
-            </a:pPr>
-            <a:r>
-              <a:rPr b="0" lang="en-US" sz="1000" spc="-1" strike="noStrike">
-                <a:latin typeface="Arial"/>
-              </a:rPr>
-              <a:t> </a:t>
-            </a:r>
-            <a:r>
-              <a:rPr b="0" lang="en-US" sz="1000" spc="-1" strike="noStrike">
-                <a:latin typeface="Arial"/>
-              </a:rPr>
-              <a:t>*  float x</a:t>
-            </a:r>
-            <a:endParaRPr b="0" lang="en-US" sz="1000" spc="-1" strike="noStrike">
-              <a:latin typeface="Arial"/>
-            </a:endParaRPr>
-          </a:p>
-          <a:p>
-            <a:pPr>
-              <a:lnSpc>
-                <a:spcPct val="100000"/>
-              </a:lnSpc>
-            </a:pPr>
-            <a:r>
-              <a:rPr b="0" lang="en-US" sz="1000" spc="-1" strike="noStrike">
-                <a:latin typeface="Arial"/>
-              </a:rPr>
-              <a:t> </a:t>
-            </a:r>
-            <a:r>
-              <a:rPr b="0" lang="en-US" sz="1000" spc="-1" strike="noStrike">
-                <a:latin typeface="Arial"/>
-              </a:rPr>
-              <a:t>*  float y</a:t>
-            </a:r>
-            <a:endParaRPr b="0" lang="en-US" sz="1000" spc="-1" strike="noStrike">
-              <a:latin typeface="Arial"/>
-            </a:endParaRPr>
-          </a:p>
-          <a:p>
-            <a:pPr>
-              <a:lnSpc>
-                <a:spcPct val="100000"/>
-              </a:lnSpc>
-            </a:pPr>
-            <a:r>
-              <a:rPr b="0" lang="en-US" sz="1000" spc="-1" strike="noStrike">
-                <a:latin typeface="Arial"/>
-              </a:rPr>
-              <a:t> </a:t>
-            </a:r>
-            <a:r>
-              <a:rPr b="0" lang="en-US" sz="1000" spc="-1" strike="noStrike">
-                <a:latin typeface="Arial"/>
-              </a:rPr>
-              <a:t>*  float z</a:t>
-            </a:r>
-            <a:endParaRPr b="0" lang="en-US" sz="1000" spc="-1" strike="noStrike">
-              <a:latin typeface="Arial"/>
-            </a:endParaRPr>
-          </a:p>
-          <a:p>
-            <a:pPr>
-              <a:lnSpc>
-                <a:spcPct val="100000"/>
-              </a:lnSpc>
-            </a:pPr>
-            <a:r>
-              <a:rPr b="0" lang="en-US" sz="1000" spc="-1" strike="noStrike">
-                <a:latin typeface="Arial"/>
-              </a:rPr>
-              <a:t> </a:t>
-            </a:r>
-            <a:r>
-              <a:rPr b="0" lang="en-US" sz="1000" spc="-1" strike="noStrike">
-                <a:latin typeface="Arial"/>
-              </a:rPr>
-              <a:t>*  float measure </a:t>
-            </a:r>
-            <a:endParaRPr b="0" lang="en-US" sz="1000" spc="-1" strike="noStrike">
-              <a:latin typeface="Arial"/>
-            </a:endParaRPr>
-          </a:p>
-          <a:p>
-            <a:pPr>
-              <a:lnSpc>
-                <a:spcPct val="100000"/>
-              </a:lnSpc>
-            </a:pPr>
-            <a:r>
-              <a:rPr b="0" lang="en-US" sz="1000" spc="-1" strike="noStrike">
-                <a:latin typeface="Arial"/>
-              </a:rPr>
-              <a:t> </a:t>
-            </a:r>
-            <a:r>
-              <a:rPr b="0" lang="en-US" sz="1000" spc="-1" strike="noStrike">
-                <a:latin typeface="Arial"/>
-              </a:rPr>
-              <a:t>*</a:t>
-            </a:r>
-            <a:endParaRPr b="0" lang="en-US" sz="1000" spc="-1" strike="noStrike">
-              <a:latin typeface="Arial"/>
-            </a:endParaRPr>
-          </a:p>
-          <a:p>
-            <a:pPr>
-              <a:lnSpc>
-                <a:spcPct val="100000"/>
-              </a:lnSpc>
-            </a:pPr>
-            <a:r>
-              <a:rPr b="0" lang="en-US" sz="1000" spc="-1" strike="noStrike">
-                <a:latin typeface="Arial"/>
-              </a:rPr>
-              <a:t> </a:t>
-            </a:r>
-            <a:r>
-              <a:rPr b="0" lang="en-US" sz="1000" spc="-1" strike="noStrike">
-                <a:latin typeface="Arial"/>
-              </a:rPr>
-              <a:t>* </a:t>
-            </a:r>
-            <a:r>
-              <a:rPr b="1" lang="en-US" sz="1000" spc="-1" strike="noStrike">
-                <a:latin typeface="Arial"/>
-              </a:rPr>
-              <a:t>RULES</a:t>
-            </a:r>
-            <a:r>
-              <a:rPr b="0" lang="en-US" sz="1000" spc="-1" strike="noStrike">
-                <a:latin typeface="Arial"/>
-              </a:rPr>
-              <a:t>:</a:t>
-            </a:r>
-            <a:endParaRPr b="0" lang="en-US" sz="1000" spc="-1" strike="noStrike">
-              <a:latin typeface="Arial"/>
-            </a:endParaRPr>
-          </a:p>
-          <a:p>
-            <a:pPr>
-              <a:lnSpc>
-                <a:spcPct val="100000"/>
-              </a:lnSpc>
-            </a:pPr>
-            <a:r>
-              <a:rPr b="0" lang="en-US" sz="1000" spc="-1" strike="noStrike">
-                <a:latin typeface="Arial"/>
-              </a:rPr>
-              <a:t> </a:t>
-            </a:r>
-            <a:r>
-              <a:rPr b="0" lang="en-US" sz="1000" spc="-1" strike="noStrike">
-                <a:latin typeface="Arial"/>
-              </a:rPr>
-              <a:t>*  rule 1 (cantor)(always):</a:t>
-            </a:r>
-            <a:endParaRPr b="0" lang="en-US" sz="1000" spc="-1" strike="noStrike">
-              <a:latin typeface="Arial"/>
-            </a:endParaRPr>
-          </a:p>
-          <a:p>
-            <a:pPr>
-              <a:lnSpc>
-                <a:spcPct val="100000"/>
-              </a:lnSpc>
-            </a:pPr>
-            <a:r>
-              <a:rPr b="0" lang="en-US" sz="1000" spc="-1" strike="noStrike">
-                <a:latin typeface="Arial"/>
-              </a:rPr>
-              <a:t> </a:t>
-            </a:r>
-            <a:r>
-              <a:rPr b="0" lang="en-US" sz="1000" spc="-1" strike="noStrike">
-                <a:latin typeface="Arial"/>
-              </a:rPr>
-              <a:t>*      append(PRIMITIVE(</a:t>
-            </a:r>
-            <a:endParaRPr b="0" lang="en-US" sz="1000" spc="-1" strike="noStrike">
-              <a:latin typeface="Arial"/>
-            </a:endParaRPr>
-          </a:p>
-          <a:p>
-            <a:pPr>
-              <a:lnSpc>
-                <a:spcPct val="100000"/>
-              </a:lnSpc>
-            </a:pPr>
-            <a:r>
-              <a:rPr b="0" lang="en-US" sz="1000" spc="-1" strike="noStrike">
-                <a:latin typeface="Arial"/>
-              </a:rPr>
-              <a:t> </a:t>
-            </a:r>
-            <a:r>
-              <a:rPr b="0" lang="en-US" sz="1000" spc="-1" strike="noStrike">
-                <a:latin typeface="Arial"/>
-              </a:rPr>
-              <a:t>*          cantor.x+cantor.measure*2/3,</a:t>
-            </a:r>
-            <a:endParaRPr b="0" lang="en-US" sz="1000" spc="-1" strike="noStrike">
-              <a:latin typeface="Arial"/>
-            </a:endParaRPr>
-          </a:p>
-          <a:p>
-            <a:pPr>
-              <a:lnSpc>
-                <a:spcPct val="100000"/>
-              </a:lnSpc>
-            </a:pPr>
-            <a:r>
-              <a:rPr b="0" lang="en-US" sz="1000" spc="-1" strike="noStrike">
-                <a:latin typeface="Arial"/>
-              </a:rPr>
-              <a:t> </a:t>
-            </a:r>
-            <a:r>
-              <a:rPr b="0" lang="en-US" sz="1000" spc="-1" strike="noStrike">
-                <a:latin typeface="Arial"/>
-              </a:rPr>
-              <a:t>*          cantor.y+cantor.measure*2/3,</a:t>
-            </a:r>
-            <a:endParaRPr b="0" lang="en-US" sz="1000" spc="-1" strike="noStrike">
-              <a:latin typeface="Arial"/>
-            </a:endParaRPr>
-          </a:p>
-          <a:p>
-            <a:pPr>
-              <a:lnSpc>
-                <a:spcPct val="100000"/>
-              </a:lnSpc>
-            </a:pPr>
-            <a:r>
-              <a:rPr b="0" lang="en-US" sz="1000" spc="-1" strike="noStrike">
-                <a:latin typeface="Arial"/>
-              </a:rPr>
-              <a:t> </a:t>
-            </a:r>
-            <a:r>
-              <a:rPr b="0" lang="en-US" sz="1000" spc="-1" strike="noStrike">
-                <a:latin typeface="Arial"/>
-              </a:rPr>
-              <a:t>*          cantor.z+cantor.measure*2/3,</a:t>
-            </a:r>
-            <a:endParaRPr b="0" lang="en-US" sz="1000" spc="-1" strike="noStrike">
-              <a:latin typeface="Arial"/>
-            </a:endParaRPr>
-          </a:p>
-          <a:p>
-            <a:pPr>
-              <a:lnSpc>
-                <a:spcPct val="100000"/>
-              </a:lnSpc>
-            </a:pPr>
-            <a:r>
-              <a:rPr b="0" lang="en-US" sz="1000" spc="-1" strike="noStrike">
-                <a:latin typeface="Arial"/>
-              </a:rPr>
-              <a:t> </a:t>
-            </a:r>
-            <a:r>
-              <a:rPr b="0" lang="en-US" sz="1000" spc="-1" strike="noStrike">
-                <a:latin typeface="Arial"/>
-              </a:rPr>
-              <a:t>*          cantor.measure/3</a:t>
-            </a:r>
-            <a:endParaRPr b="0" lang="en-US" sz="1000" spc="-1" strike="noStrike">
-              <a:latin typeface="Arial"/>
-            </a:endParaRPr>
-          </a:p>
-          <a:p>
-            <a:pPr>
-              <a:lnSpc>
-                <a:spcPct val="100000"/>
-              </a:lnSpc>
-            </a:pPr>
-            <a:r>
-              <a:rPr b="0" lang="en-US" sz="1000" spc="-1" strike="noStrike">
-                <a:latin typeface="Arial"/>
-              </a:rPr>
-              <a:t> </a:t>
-            </a:r>
-            <a:r>
-              <a:rPr b="0" lang="en-US" sz="1000" spc="-1" strike="noStrike">
-                <a:latin typeface="Arial"/>
-              </a:rPr>
-              <a:t>*          )</a:t>
-            </a:r>
-            <a:endParaRPr b="0" lang="en-US" sz="1000" spc="-1" strike="noStrike">
-              <a:latin typeface="Arial"/>
-            </a:endParaRPr>
-          </a:p>
-          <a:p>
-            <a:pPr>
-              <a:lnSpc>
-                <a:spcPct val="100000"/>
-              </a:lnSpc>
-            </a:pPr>
-            <a:r>
-              <a:rPr b="0" lang="en-US" sz="1000" spc="-1" strike="noStrike">
-                <a:latin typeface="Arial"/>
-              </a:rPr>
-              <a:t> </a:t>
-            </a:r>
-            <a:r>
-              <a:rPr b="0" lang="en-US" sz="1000" spc="-1" strike="noStrike">
-                <a:latin typeface="Arial"/>
-              </a:rPr>
-              <a:t>*</a:t>
-            </a:r>
-            <a:endParaRPr b="0" lang="en-US" sz="1000" spc="-1" strike="noStrike">
-              <a:latin typeface="Arial"/>
-            </a:endParaRPr>
-          </a:p>
-          <a:p>
-            <a:pPr>
-              <a:lnSpc>
-                <a:spcPct val="100000"/>
-              </a:lnSpc>
-            </a:pPr>
-            <a:r>
-              <a:rPr b="0" lang="en-US" sz="1000" spc="-1" strike="noStrike">
-                <a:latin typeface="Arial"/>
-              </a:rPr>
-              <a:t> </a:t>
-            </a:r>
-            <a:r>
-              <a:rPr b="0" lang="en-US" sz="1000" spc="-1" strike="noStrike">
-                <a:latin typeface="Arial"/>
-              </a:rPr>
-              <a:t>*      append(PRIMITIVE(</a:t>
-            </a:r>
-            <a:endParaRPr b="0" lang="en-US" sz="1000" spc="-1" strike="noStrike">
-              <a:latin typeface="Arial"/>
-            </a:endParaRPr>
-          </a:p>
-          <a:p>
-            <a:pPr>
-              <a:lnSpc>
-                <a:spcPct val="100000"/>
-              </a:lnSpc>
-            </a:pPr>
-            <a:r>
-              <a:rPr b="0" lang="en-US" sz="1000" spc="-1" strike="noStrike">
-                <a:latin typeface="Arial"/>
-              </a:rPr>
-              <a:t> </a:t>
-            </a:r>
-            <a:r>
-              <a:rPr b="0" lang="en-US" sz="1000" spc="-1" strike="noStrike">
-                <a:latin typeface="Arial"/>
-              </a:rPr>
-              <a:t>*          cantor.x-cantor.measure*2/3,</a:t>
-            </a:r>
-            <a:endParaRPr b="0" lang="en-US" sz="1000" spc="-1" strike="noStrike">
-              <a:latin typeface="Arial"/>
-            </a:endParaRPr>
-          </a:p>
-          <a:p>
-            <a:pPr>
-              <a:lnSpc>
-                <a:spcPct val="100000"/>
-              </a:lnSpc>
-            </a:pPr>
-            <a:r>
-              <a:rPr b="0" lang="en-US" sz="1000" spc="-1" strike="noStrike">
-                <a:latin typeface="Arial"/>
-              </a:rPr>
-              <a:t> </a:t>
-            </a:r>
-            <a:r>
-              <a:rPr b="0" lang="en-US" sz="1000" spc="-1" strike="noStrike">
-                <a:latin typeface="Arial"/>
-              </a:rPr>
-              <a:t>*          cantor.y+cantor.measure*2/3,</a:t>
-            </a:r>
-            <a:endParaRPr b="0" lang="en-US" sz="1000" spc="-1" strike="noStrike">
-              <a:latin typeface="Arial"/>
-            </a:endParaRPr>
-          </a:p>
-          <a:p>
-            <a:pPr>
-              <a:lnSpc>
-                <a:spcPct val="100000"/>
-              </a:lnSpc>
-            </a:pPr>
-            <a:r>
-              <a:rPr b="0" lang="en-US" sz="1000" spc="-1" strike="noStrike">
-                <a:latin typeface="Arial"/>
-              </a:rPr>
-              <a:t> </a:t>
-            </a:r>
-            <a:r>
-              <a:rPr b="0" lang="en-US" sz="1000" spc="-1" strike="noStrike">
-                <a:latin typeface="Arial"/>
-              </a:rPr>
-              <a:t>*          cantor.z+cantor.measure*2/3,</a:t>
-            </a:r>
-            <a:endParaRPr b="0" lang="en-US" sz="1000" spc="-1" strike="noStrike">
-              <a:latin typeface="Arial"/>
-            </a:endParaRPr>
-          </a:p>
-          <a:p>
-            <a:pPr>
-              <a:lnSpc>
-                <a:spcPct val="100000"/>
-              </a:lnSpc>
-            </a:pPr>
-            <a:r>
-              <a:rPr b="0" lang="en-US" sz="1000" spc="-1" strike="noStrike">
-                <a:latin typeface="Arial"/>
-              </a:rPr>
-              <a:t> </a:t>
-            </a:r>
-            <a:r>
-              <a:rPr b="0" lang="en-US" sz="1000" spc="-1" strike="noStrike">
-                <a:latin typeface="Arial"/>
-              </a:rPr>
-              <a:t>*          cantor.measure/3</a:t>
-            </a:r>
-            <a:endParaRPr b="0" lang="en-US" sz="1000" spc="-1" strike="noStrike">
-              <a:latin typeface="Arial"/>
-            </a:endParaRPr>
-          </a:p>
-          <a:p>
-            <a:pPr>
-              <a:lnSpc>
-                <a:spcPct val="100000"/>
-              </a:lnSpc>
-            </a:pPr>
-            <a:r>
-              <a:rPr b="0" lang="en-US" sz="1000" spc="-1" strike="noStrike">
-                <a:latin typeface="Arial"/>
-              </a:rPr>
-              <a:t> </a:t>
-            </a:r>
-            <a:r>
-              <a:rPr b="0" lang="en-US" sz="1000" spc="-1" strike="noStrike">
-                <a:latin typeface="Arial"/>
-              </a:rPr>
-              <a:t>*          )</a:t>
-            </a:r>
-            <a:endParaRPr b="0" lang="en-US" sz="1000" spc="-1" strike="noStrike">
-              <a:latin typeface="Arial"/>
-            </a:endParaRPr>
-          </a:p>
-          <a:p>
-            <a:pPr>
-              <a:lnSpc>
-                <a:spcPct val="100000"/>
-              </a:lnSpc>
-            </a:pPr>
-            <a:r>
-              <a:rPr b="0" lang="en-US" sz="1000" spc="-1" strike="noStrike">
-                <a:latin typeface="Arial"/>
-              </a:rPr>
-              <a:t> </a:t>
-            </a:r>
-            <a:r>
-              <a:rPr b="0" lang="en-US" sz="1000" spc="-1" strike="noStrike">
-                <a:latin typeface="Arial"/>
-              </a:rPr>
-              <a:t>*      ...</a:t>
-            </a:r>
-            <a:endParaRPr b="0" lang="en-US" sz="1000" spc="-1" strike="noStrike">
-              <a:latin typeface="Arial"/>
-            </a:endParaRPr>
-          </a:p>
-          <a:p>
-            <a:pPr>
-              <a:lnSpc>
-                <a:spcPct val="100000"/>
-              </a:lnSpc>
-            </a:pPr>
-            <a:r>
-              <a:rPr b="0" lang="en-US" sz="1000" spc="-1" strike="noStrike">
-                <a:latin typeface="Arial"/>
-              </a:rPr>
-              <a:t>         </a:t>
-            </a:r>
-            <a:r>
-              <a:rPr b="0" lang="en-US" sz="1000" spc="-1" strike="noStrike">
-                <a:latin typeface="Arial"/>
-              </a:rPr>
-              <a:t>*append(PRIMITIVE(</a:t>
-            </a:r>
-            <a:endParaRPr b="0" lang="en-US" sz="1000" spc="-1" strike="noStrike">
-              <a:latin typeface="Arial"/>
-            </a:endParaRPr>
-          </a:p>
-          <a:p>
-            <a:pPr>
-              <a:lnSpc>
-                <a:spcPct val="100000"/>
-              </a:lnSpc>
-            </a:pPr>
-            <a:r>
-              <a:rPr b="0" lang="en-US" sz="1000" spc="-1" strike="noStrike">
-                <a:latin typeface="Arial"/>
-              </a:rPr>
-              <a:t> </a:t>
-            </a:r>
-            <a:r>
-              <a:rPr b="0" lang="en-US" sz="1000" spc="-1" strike="noStrike">
-                <a:latin typeface="Arial"/>
-              </a:rPr>
-              <a:t>*          cantor.x-cantor.measure*2/3,</a:t>
-            </a:r>
-            <a:endParaRPr b="0" lang="en-US" sz="1000" spc="-1" strike="noStrike">
-              <a:latin typeface="Arial"/>
-            </a:endParaRPr>
-          </a:p>
-          <a:p>
-            <a:pPr>
-              <a:lnSpc>
-                <a:spcPct val="100000"/>
-              </a:lnSpc>
-            </a:pPr>
-            <a:r>
-              <a:rPr b="0" lang="en-US" sz="1000" spc="-1" strike="noStrike">
-                <a:latin typeface="Arial"/>
-              </a:rPr>
-              <a:t> </a:t>
-            </a:r>
-            <a:r>
-              <a:rPr b="0" lang="en-US" sz="1000" spc="-1" strike="noStrike">
-                <a:latin typeface="Arial"/>
-              </a:rPr>
-              <a:t>*          cantor.y-cantor.measure*2/3,</a:t>
-            </a:r>
-            <a:endParaRPr b="0" lang="en-US" sz="1000" spc="-1" strike="noStrike">
-              <a:latin typeface="Arial"/>
-            </a:endParaRPr>
-          </a:p>
-          <a:p>
-            <a:pPr>
-              <a:lnSpc>
-                <a:spcPct val="100000"/>
-              </a:lnSpc>
-            </a:pPr>
-            <a:r>
-              <a:rPr b="0" lang="en-US" sz="1000" spc="-1" strike="noStrike">
-                <a:latin typeface="Arial"/>
-              </a:rPr>
-              <a:t> </a:t>
-            </a:r>
-            <a:r>
-              <a:rPr b="0" lang="en-US" sz="1000" spc="-1" strike="noStrike">
-                <a:latin typeface="Arial"/>
-              </a:rPr>
-              <a:t>*          cantor.z-cantor.measure*2/3,</a:t>
-            </a:r>
-            <a:endParaRPr b="0" lang="en-US" sz="1000" spc="-1" strike="noStrike">
-              <a:latin typeface="Arial"/>
-            </a:endParaRPr>
-          </a:p>
-          <a:p>
-            <a:pPr>
-              <a:lnSpc>
-                <a:spcPct val="100000"/>
-              </a:lnSpc>
-            </a:pPr>
-            <a:r>
-              <a:rPr b="0" lang="en-US" sz="1000" spc="-1" strike="noStrike">
-                <a:latin typeface="Arial"/>
-              </a:rPr>
-              <a:t> </a:t>
-            </a:r>
-            <a:r>
-              <a:rPr b="0" lang="en-US" sz="1000" spc="-1" strike="noStrike">
-                <a:latin typeface="Arial"/>
-              </a:rPr>
-              <a:t>*          cantor.measure/3</a:t>
-            </a:r>
-            <a:endParaRPr b="0" lang="en-US" sz="1000" spc="-1" strike="noStrike">
-              <a:latin typeface="Arial"/>
-            </a:endParaRPr>
-          </a:p>
-          <a:p>
-            <a:pPr>
-              <a:lnSpc>
-                <a:spcPct val="100000"/>
-              </a:lnSpc>
-            </a:pPr>
-            <a:r>
-              <a:rPr b="0" lang="en-US" sz="1000" spc="-1" strike="noStrike">
-                <a:latin typeface="Arial"/>
-              </a:rPr>
-              <a:t> </a:t>
-            </a:r>
-            <a:r>
-              <a:rPr b="0" lang="en-US" sz="1000" spc="-1" strike="noStrike">
-                <a:latin typeface="Arial"/>
-              </a:rPr>
-              <a:t>*          )</a:t>
-            </a:r>
-            <a:endParaRPr b="0" lang="en-US" sz="1000" spc="-1" strike="noStrike">
-              <a:latin typeface="Arial"/>
-            </a:endParaRPr>
-          </a:p>
-          <a:p>
-            <a:pPr>
-              <a:lnSpc>
-                <a:spcPct val="100000"/>
-              </a:lnSpc>
-            </a:pPr>
-            <a:endParaRPr b="0" lang="en-US" sz="1000" spc="-1" strike="noStrike">
-              <a:latin typeface="Arial"/>
-            </a:endParaRPr>
-          </a:p>
-        </p:txBody>
-      </p:sp>
-      <p:sp>
-        <p:nvSpPr>
-          <p:cNvPr id="100" name="CustomShape 2"/>
+            <a:endParaRPr b="0" lang="en-US" sz="1800" spc="-1" strike="noStrike">
+              <a:latin typeface="Arial"/>
+            </a:endParaRPr>
+          </a:p>
+        </p:txBody>
+      </p:sp>
+      <p:sp>
+        <p:nvSpPr>
+          <p:cNvPr id="105" name="CustomShape 2"/>
           <p:cNvSpPr/>
           <p:nvPr/>
         </p:nvSpPr>
         <p:spPr>
           <a:xfrm>
             <a:off x="496080" y="548640"/>
-            <a:ext cx="1760760" cy="657000"/>
+            <a:ext cx="2889360" cy="656280"/>
           </a:xfrm>
           <a:prstGeom prst="rect">
             <a:avLst/>
@@ -6206,9 +6667,13 @@
           <a:p>
             <a:r>
               <a:rPr b="0" lang="en-US" sz="4000" spc="-1" strike="noStrike">
-                <a:latin typeface="Arial"/>
-              </a:rPr>
-              <a:t>Príklad</a:t>
+                <a:solidFill>
+                  <a:srgbClr val="000000"/>
+                </a:solidFill>
+                <a:latin typeface="Arial"/>
+                <a:ea typeface="DejaVu Sans"/>
+              </a:rPr>
+              <a:t>Architektúra</a:t>
             </a:r>
             <a:endParaRPr b="0" lang="en-US" sz="4000" spc="-1" strike="noStrike">
               <a:latin typeface="Arial"/>
@@ -6216,29 +6681,394 @@
           </a:p>
         </p:txBody>
       </p:sp>
-      <p:pic>
-        <p:nvPicPr>
-          <p:cNvPr id="101" name="" descr=""/>
-          <p:cNvPicPr/>
+      <p:sp>
+        <p:nvSpPr>
+          <p:cNvPr id="106" name="CustomShape 3"/>
+          <p:cNvSpPr/>
           <p:nvPr/>
-        </p:nvPicPr>
-        <p:blipFill>
-          <a:blip r:embed="rId1"/>
-          <a:stretch/>
-        </p:blipFill>
-        <p:spPr>
-          <a:xfrm>
-            <a:off x="3242160" y="1370520"/>
-            <a:ext cx="5352840" cy="4572720"/>
-          </a:xfrm>
-          <a:prstGeom prst="rect">
-            <a:avLst/>
-          </a:prstGeom>
+        </p:nvSpPr>
+        <p:spPr>
+          <a:xfrm>
+            <a:off x="4680000" y="1587600"/>
+            <a:ext cx="1371600" cy="457200"/>
+          </a:xfrm>
+          <a:prstGeom prst="rect">
+            <a:avLst/>
+          </a:prstGeom>
+          <a:solidFill>
+            <a:srgbClr val="ffffff"/>
+          </a:solidFill>
           <a:ln>
-            <a:noFill/>
+            <a:solidFill>
+              <a:srgbClr val="3465a4"/>
+            </a:solidFill>
           </a:ln>
         </p:spPr>
-      </p:pic>
+        <p:style>
+          <a:lnRef idx="0"/>
+          <a:fillRef idx="0"/>
+          <a:effectRef idx="0"/>
+          <a:fontRef idx="minor"/>
+        </p:style>
+        <p:txBody>
+          <a:bodyPr wrap="none" lIns="90000" rIns="90000" tIns="45000" bIns="45000" anchor="ctr"/>
+          <a:p>
+            <a:pPr algn="ctr"/>
+            <a:r>
+              <a:rPr b="0" lang="en-US" sz="1800" spc="-1" strike="noStrike">
+                <a:latin typeface="Arial"/>
+              </a:rPr>
+              <a:t>Parser</a:t>
+            </a:r>
+            <a:endParaRPr b="0" lang="en-US" sz="1800" spc="-1" strike="noStrike">
+              <a:latin typeface="Arial"/>
+            </a:endParaRPr>
+          </a:p>
+        </p:txBody>
+      </p:sp>
+      <p:sp>
+        <p:nvSpPr>
+          <p:cNvPr id="107" name="CustomShape 4"/>
+          <p:cNvSpPr/>
+          <p:nvPr/>
+        </p:nvSpPr>
+        <p:spPr>
+          <a:xfrm>
+            <a:off x="6691680" y="1587600"/>
+            <a:ext cx="1737360" cy="457200"/>
+          </a:xfrm>
+          <a:prstGeom prst="rect">
+            <a:avLst/>
+          </a:prstGeom>
+          <a:solidFill>
+            <a:srgbClr val="ffffff"/>
+          </a:solidFill>
+          <a:ln>
+            <a:solidFill>
+              <a:srgbClr val="3465a4"/>
+            </a:solidFill>
+          </a:ln>
+        </p:spPr>
+        <p:style>
+          <a:lnRef idx="0"/>
+          <a:fillRef idx="0"/>
+          <a:effectRef idx="0"/>
+          <a:fontRef idx="minor"/>
+        </p:style>
+        <p:txBody>
+          <a:bodyPr wrap="none" lIns="90000" rIns="90000" tIns="45000" bIns="45000" anchor="ctr"/>
+          <a:p>
+            <a:pPr algn="ctr"/>
+            <a:r>
+              <a:rPr b="0" lang="en-US" sz="1800" spc="-1" strike="noStrike">
+                <a:latin typeface="Arial"/>
+              </a:rPr>
+              <a:t>Derivation</a:t>
+            </a:r>
+            <a:endParaRPr b="0" lang="en-US" sz="1800" spc="-1" strike="noStrike">
+              <a:latin typeface="Arial"/>
+            </a:endParaRPr>
+          </a:p>
+        </p:txBody>
+      </p:sp>
+      <p:sp>
+        <p:nvSpPr>
+          <p:cNvPr id="108" name="CustomShape 5"/>
+          <p:cNvSpPr/>
+          <p:nvPr/>
+        </p:nvSpPr>
+        <p:spPr>
+          <a:xfrm>
+            <a:off x="6711120" y="2574000"/>
+            <a:ext cx="1737360" cy="548640"/>
+          </a:xfrm>
+          <a:prstGeom prst="rect">
+            <a:avLst/>
+          </a:prstGeom>
+          <a:solidFill>
+            <a:srgbClr val="ffffff"/>
+          </a:solidFill>
+          <a:ln>
+            <a:solidFill>
+              <a:srgbClr val="3465a4"/>
+            </a:solidFill>
+          </a:ln>
+        </p:spPr>
+        <p:style>
+          <a:lnRef idx="0"/>
+          <a:fillRef idx="0"/>
+          <a:effectRef idx="0"/>
+          <a:fontRef idx="minor"/>
+        </p:style>
+        <p:txBody>
+          <a:bodyPr wrap="none" lIns="90000" rIns="90000" tIns="45000" bIns="45000" anchor="ctr"/>
+          <a:p>
+            <a:pPr algn="ctr"/>
+            <a:r>
+              <a:rPr b="0" lang="en-US" sz="1800" spc="-1" strike="noStrike">
+                <a:latin typeface="Arial"/>
+              </a:rPr>
+              <a:t>OOP Interpret</a:t>
+            </a:r>
+            <a:endParaRPr b="0" lang="en-US" sz="1800" spc="-1" strike="noStrike">
+              <a:latin typeface="Arial"/>
+            </a:endParaRPr>
+          </a:p>
+        </p:txBody>
+      </p:sp>
+      <p:sp>
+        <p:nvSpPr>
+          <p:cNvPr id="109" name="CustomShape 6"/>
+          <p:cNvSpPr/>
+          <p:nvPr/>
+        </p:nvSpPr>
+        <p:spPr>
+          <a:xfrm rot="5371800">
+            <a:off x="7379640" y="2180880"/>
+            <a:ext cx="364680" cy="277200"/>
+          </a:xfrm>
+          <a:custGeom>
+            <a:avLst/>
+            <a:gdLst/>
+            <a:ahLst/>
+            <a:rect l="0" t="0" r="r" b="b"/>
+            <a:pathLst>
+              <a:path w="1015" h="771">
+                <a:moveTo>
+                  <a:pt x="0" y="385"/>
+                </a:moveTo>
+                <a:lnTo>
+                  <a:pt x="201" y="0"/>
+                </a:lnTo>
+                <a:lnTo>
+                  <a:pt x="201" y="192"/>
+                </a:lnTo>
+                <a:lnTo>
+                  <a:pt x="812" y="192"/>
+                </a:lnTo>
+                <a:lnTo>
+                  <a:pt x="812" y="0"/>
+                </a:lnTo>
+                <a:lnTo>
+                  <a:pt x="1014" y="384"/>
+                </a:lnTo>
+                <a:lnTo>
+                  <a:pt x="813" y="770"/>
+                </a:lnTo>
+                <a:lnTo>
+                  <a:pt x="813" y="577"/>
+                </a:lnTo>
+                <a:lnTo>
+                  <a:pt x="202" y="578"/>
+                </a:lnTo>
+                <a:lnTo>
+                  <a:pt x="202" y="770"/>
+                </a:lnTo>
+                <a:lnTo>
+                  <a:pt x="0" y="385"/>
+                </a:lnTo>
+              </a:path>
+            </a:pathLst>
+          </a:custGeom>
+          <a:solidFill>
+            <a:srgbClr val="729fcf"/>
+          </a:solidFill>
+          <a:ln>
+            <a:solidFill>
+              <a:srgbClr val="3465a4"/>
+            </a:solidFill>
+          </a:ln>
+        </p:spPr>
+        <p:style>
+          <a:lnRef idx="0"/>
+          <a:fillRef idx="0"/>
+          <a:effectRef idx="0"/>
+          <a:fontRef idx="minor"/>
+        </p:style>
+      </p:sp>
+      <p:sp>
+        <p:nvSpPr>
+          <p:cNvPr id="110" name="CustomShape 7"/>
+          <p:cNvSpPr/>
+          <p:nvPr/>
+        </p:nvSpPr>
+        <p:spPr>
+          <a:xfrm>
+            <a:off x="6179040" y="1679040"/>
+            <a:ext cx="365760" cy="274320"/>
+          </a:xfrm>
+          <a:custGeom>
+            <a:avLst/>
+            <a:gdLst/>
+            <a:ahLst/>
+            <a:rect l="0" t="0" r="r" b="b"/>
+            <a:pathLst>
+              <a:path w="1018" h="764">
+                <a:moveTo>
+                  <a:pt x="0" y="190"/>
+                </a:moveTo>
+                <a:lnTo>
+                  <a:pt x="762" y="190"/>
+                </a:lnTo>
+                <a:lnTo>
+                  <a:pt x="762" y="0"/>
+                </a:lnTo>
+                <a:lnTo>
+                  <a:pt x="1017" y="381"/>
+                </a:lnTo>
+                <a:lnTo>
+                  <a:pt x="762" y="763"/>
+                </a:lnTo>
+                <a:lnTo>
+                  <a:pt x="762" y="572"/>
+                </a:lnTo>
+                <a:lnTo>
+                  <a:pt x="0" y="572"/>
+                </a:lnTo>
+                <a:lnTo>
+                  <a:pt x="0" y="190"/>
+                </a:lnTo>
+              </a:path>
+            </a:pathLst>
+          </a:custGeom>
+          <a:solidFill>
+            <a:srgbClr val="729fcf"/>
+          </a:solidFill>
+          <a:ln>
+            <a:solidFill>
+              <a:srgbClr val="3465a4"/>
+            </a:solidFill>
+          </a:ln>
+        </p:spPr>
+        <p:style>
+          <a:lnRef idx="0"/>
+          <a:fillRef idx="0"/>
+          <a:effectRef idx="0"/>
+          <a:fontRef idx="minor"/>
+        </p:style>
+      </p:sp>
+      <p:sp>
+        <p:nvSpPr>
+          <p:cNvPr id="111" name="CustomShape 8"/>
+          <p:cNvSpPr/>
+          <p:nvPr/>
+        </p:nvSpPr>
+        <p:spPr>
+          <a:xfrm>
+            <a:off x="4163400" y="1679400"/>
+            <a:ext cx="365760" cy="274320"/>
+          </a:xfrm>
+          <a:custGeom>
+            <a:avLst/>
+            <a:gdLst/>
+            <a:ahLst/>
+            <a:rect l="0" t="0" r="r" b="b"/>
+            <a:pathLst>
+              <a:path w="1018" h="764">
+                <a:moveTo>
+                  <a:pt x="0" y="190"/>
+                </a:moveTo>
+                <a:lnTo>
+                  <a:pt x="762" y="190"/>
+                </a:lnTo>
+                <a:lnTo>
+                  <a:pt x="762" y="0"/>
+                </a:lnTo>
+                <a:lnTo>
+                  <a:pt x="1017" y="381"/>
+                </a:lnTo>
+                <a:lnTo>
+                  <a:pt x="762" y="763"/>
+                </a:lnTo>
+                <a:lnTo>
+                  <a:pt x="762" y="572"/>
+                </a:lnTo>
+                <a:lnTo>
+                  <a:pt x="0" y="572"/>
+                </a:lnTo>
+                <a:lnTo>
+                  <a:pt x="0" y="190"/>
+                </a:lnTo>
+              </a:path>
+            </a:pathLst>
+          </a:custGeom>
+          <a:solidFill>
+            <a:srgbClr val="729fcf"/>
+          </a:solidFill>
+          <a:ln>
+            <a:solidFill>
+              <a:srgbClr val="3465a4"/>
+            </a:solidFill>
+          </a:ln>
+        </p:spPr>
+        <p:style>
+          <a:lnRef idx="0"/>
+          <a:fillRef idx="0"/>
+          <a:effectRef idx="0"/>
+          <a:fontRef idx="minor"/>
+        </p:style>
+      </p:sp>
+      <p:sp>
+        <p:nvSpPr>
+          <p:cNvPr id="112" name="CustomShape 9"/>
+          <p:cNvSpPr/>
+          <p:nvPr/>
+        </p:nvSpPr>
+        <p:spPr>
+          <a:xfrm rot="2863800">
+            <a:off x="6071040" y="2291400"/>
+            <a:ext cx="365760" cy="274320"/>
+          </a:xfrm>
+          <a:custGeom>
+            <a:avLst/>
+            <a:gdLst/>
+            <a:ahLst/>
+            <a:rect l="0" t="0" r="r" b="b"/>
+            <a:pathLst>
+              <a:path w="1018" h="764">
+                <a:moveTo>
+                  <a:pt x="0" y="191"/>
+                </a:moveTo>
+                <a:lnTo>
+                  <a:pt x="761" y="190"/>
+                </a:lnTo>
+                <a:lnTo>
+                  <a:pt x="762" y="0"/>
+                </a:lnTo>
+                <a:lnTo>
+                  <a:pt x="1017" y="381"/>
+                </a:lnTo>
+                <a:lnTo>
+                  <a:pt x="762" y="763"/>
+                </a:lnTo>
+                <a:lnTo>
+                  <a:pt x="762" y="571"/>
+                </a:lnTo>
+                <a:lnTo>
+                  <a:pt x="0" y="573"/>
+                </a:lnTo>
+                <a:lnTo>
+                  <a:pt x="0" y="191"/>
+                </a:lnTo>
+              </a:path>
+            </a:pathLst>
+          </a:custGeom>
+          <a:solidFill>
+            <a:srgbClr val="729fcf"/>
+          </a:solidFill>
+          <a:ln>
+            <a:solidFill>
+              <a:srgbClr val="3465a4"/>
+            </a:solidFill>
+          </a:ln>
+        </p:spPr>
+        <p:style>
+          <a:lnRef idx="0"/>
+          <a:fillRef idx="0"/>
+          <a:effectRef idx="0"/>
+          <a:fontRef idx="minor"/>
+        </p:style>
+      </p:sp>
     </p:spTree>
   </p:cSld>
   <p:timing>
@@ -6290,14 +7120,14 @@
       </p:grpSpPr>
       <p:sp>
         <p:nvSpPr>
-          <p:cNvPr id="102" name="CustomShape 1"/>
+          <p:cNvPr id="113" name="CustomShape 1"/>
           <p:cNvSpPr/>
           <p:nvPr/>
         </p:nvSpPr>
         <p:spPr>
           <a:xfrm>
-            <a:off x="0" y="2052000"/>
-            <a:ext cx="9143280" cy="4356360"/>
+            <a:off x="365760" y="1811520"/>
+            <a:ext cx="8411400" cy="1496520"/>
           </a:xfrm>
           <a:prstGeom prst="rect">
             <a:avLst/>
@@ -6316,107 +7146,201 @@
         <p:txBody>
           <a:bodyPr lIns="90000" rIns="90000" tIns="45000" bIns="45000"/>
           <a:p>
-            <a:pPr algn="ctr">
+            <a:pPr marL="216000" indent="-214920">
               <a:lnSpc>
-                <a:spcPct val="100000"/>
+                <a:spcPct val="150000"/>
               </a:lnSpc>
+              <a:buClr>
+                <a:srgbClr val="000000"/>
+              </a:buClr>
+              <a:buSzPct val="45000"/>
+              <a:buFont typeface="Wingdings" charset="2"/>
+              <a:buChar char=""/>
             </a:pPr>
             <a:r>
-              <a:rPr b="1" lang="en-US" sz="4000" spc="-1" strike="noStrike">
-                <a:solidFill>
-                  <a:srgbClr val="000000"/>
-                </a:solidFill>
-                <a:latin typeface="Arial Black"/>
-                <a:ea typeface="DejaVu Sans"/>
-              </a:rPr>
-              <a:t>děkujeme Vám</a:t>
+              <a:rPr b="1" lang="en-US" sz="1800" spc="-1" strike="noStrike">
+                <a:solidFill>
+                  <a:srgbClr val="000000"/>
+                </a:solidFill>
+                <a:latin typeface="Arial"/>
+                <a:ea typeface="DejaVu Sans"/>
+              </a:rPr>
+              <a:t>TODO</a:t>
+            </a:r>
+            <a:endParaRPr b="0" lang="en-US" sz="1800" spc="-1" strike="noStrike">
+              <a:latin typeface="Arial"/>
+            </a:endParaRPr>
+          </a:p>
+          <a:p>
+            <a:pPr marL="216000" indent="-214920">
+              <a:lnSpc>
+                <a:spcPct val="150000"/>
+              </a:lnSpc>
+              <a:buClr>
+                <a:srgbClr val="000000"/>
+              </a:buClr>
+              <a:buSzPct val="45000"/>
+              <a:buFont typeface="Wingdings" charset="2"/>
+              <a:buChar char=""/>
+            </a:pPr>
+            <a:r>
+              <a:rPr b="0" lang="en-US" sz="1800" spc="-1" strike="noStrike">
+                <a:solidFill>
+                  <a:srgbClr val="000000"/>
+                </a:solidFill>
+                <a:latin typeface="Arial"/>
+                <a:ea typeface="DejaVu Sans"/>
+              </a:rPr>
+              <a:t>Parser / Integrácia</a:t>
+            </a:r>
+            <a:endParaRPr b="0" lang="en-US" sz="1800" spc="-1" strike="noStrike">
+              <a:latin typeface="Arial"/>
+            </a:endParaRPr>
+          </a:p>
+          <a:p>
+            <a:pPr marL="216000" indent="-214920">
+              <a:lnSpc>
+                <a:spcPct val="150000"/>
+              </a:lnSpc>
+              <a:buClr>
+                <a:srgbClr val="000000"/>
+              </a:buClr>
+              <a:buSzPct val="45000"/>
+              <a:buFont typeface="Wingdings" charset="2"/>
+              <a:buChar char=""/>
+            </a:pPr>
+            <a:r>
+              <a:rPr b="0" lang="en-US" sz="1800" spc="-1" strike="noStrike">
+                <a:solidFill>
+                  <a:srgbClr val="000000"/>
+                </a:solidFill>
+                <a:latin typeface="Arial"/>
+                <a:ea typeface="DejaVu Sans"/>
+              </a:rPr>
+              <a:t>Príklady / Dokumentácia</a:t>
+            </a:r>
+            <a:endParaRPr b="0" lang="en-US" sz="1800" spc="-1" strike="noStrike">
+              <a:latin typeface="Arial"/>
+            </a:endParaRPr>
+          </a:p>
+          <a:p>
+            <a:pPr marL="216000" indent="-214920">
+              <a:lnSpc>
+                <a:spcPct val="150000"/>
+              </a:lnSpc>
+              <a:buClr>
+                <a:srgbClr val="000000"/>
+              </a:buClr>
+              <a:buSzPct val="45000"/>
+              <a:buFont typeface="Wingdings" charset="2"/>
+              <a:buChar char=""/>
+            </a:pPr>
+            <a:r>
+              <a:rPr b="0" lang="en-US" sz="1800" spc="-1" strike="noStrike">
+                <a:solidFill>
+                  <a:srgbClr val="000000"/>
+                </a:solidFill>
+                <a:latin typeface="Arial"/>
+                <a:ea typeface="DejaVu Sans"/>
+              </a:rPr>
+              <a:t>Modulárnosť / optimalizácie</a:t>
+            </a:r>
+            <a:endParaRPr b="0" lang="en-US" sz="1800" spc="-1" strike="noStrike">
+              <a:latin typeface="Arial"/>
+            </a:endParaRPr>
+          </a:p>
+        </p:txBody>
+      </p:sp>
+      <p:sp>
+        <p:nvSpPr>
+          <p:cNvPr id="114" name="CustomShape 2"/>
+          <p:cNvSpPr/>
+          <p:nvPr/>
+        </p:nvSpPr>
+        <p:spPr>
+          <a:xfrm>
+            <a:off x="496080" y="548640"/>
+            <a:ext cx="3171240" cy="656280"/>
+          </a:xfrm>
+          <a:prstGeom prst="rect">
+            <a:avLst/>
+          </a:prstGeom>
+          <a:noFill/>
+          <a:ln>
+            <a:noFill/>
+          </a:ln>
+        </p:spPr>
+        <p:style>
+          <a:lnRef idx="0"/>
+          <a:fillRef idx="0"/>
+          <a:effectRef idx="0"/>
+          <a:fontRef idx="minor"/>
+        </p:style>
+        <p:txBody>
+          <a:bodyPr lIns="90000" rIns="90000" tIns="45000" bIns="45000"/>
+          <a:p>
+            <a:r>
+              <a:rPr b="0" lang="en-US" sz="4000" spc="-1" strike="noStrike">
+                <a:solidFill>
+                  <a:srgbClr val="000000"/>
+                </a:solidFill>
+                <a:latin typeface="Arial"/>
+                <a:ea typeface="DejaVu Sans"/>
+              </a:rPr>
+              <a:t>STATUS</a:t>
             </a:r>
             <a:endParaRPr b="0" lang="en-US" sz="4000" spc="-1" strike="noStrike">
               <a:latin typeface="Arial"/>
             </a:endParaRPr>
           </a:p>
-          <a:p>
-            <a:pPr algn="ctr">
-              <a:lnSpc>
-                <a:spcPct val="100000"/>
-              </a:lnSpc>
-            </a:pPr>
-            <a:r>
-              <a:rPr b="1" lang="en-US" sz="4000" spc="-1" strike="noStrike">
-                <a:solidFill>
-                  <a:srgbClr val="000000"/>
-                </a:solidFill>
-                <a:latin typeface="Arial Black"/>
-                <a:ea typeface="DejaVu Sans"/>
-              </a:rPr>
-              <a:t>za pozornost</a:t>
-            </a:r>
-            <a:endParaRPr b="0" lang="en-US" sz="4000" spc="-1" strike="noStrike">
-              <a:latin typeface="Arial"/>
-            </a:endParaRPr>
-          </a:p>
-          <a:p>
-            <a:pPr algn="ctr">
-              <a:lnSpc>
-                <a:spcPct val="100000"/>
-              </a:lnSpc>
-            </a:pPr>
-            <a:endParaRPr b="0" lang="en-US" sz="4000" spc="-1" strike="noStrike">
-              <a:latin typeface="Arial"/>
-            </a:endParaRPr>
-          </a:p>
-          <a:p>
-            <a:pPr algn="ctr">
-              <a:lnSpc>
-                <a:spcPct val="100000"/>
-              </a:lnSpc>
-            </a:pPr>
-            <a:r>
-              <a:rPr b="1" lang="en-US" sz="4000" spc="-1" strike="noStrike">
-                <a:solidFill>
-                  <a:srgbClr val="e4002b"/>
-                </a:solidFill>
-                <a:latin typeface="Arial Black"/>
-                <a:ea typeface="DejaVu Sans"/>
-              </a:rPr>
-              <a:t>www.fit.vutbr.cz</a:t>
-            </a:r>
-            <a:endParaRPr b="0" lang="en-US" sz="4000" spc="-1" strike="noStrike">
-              <a:latin typeface="Arial"/>
-            </a:endParaRPr>
-          </a:p>
-          <a:p>
-            <a:pPr algn="ctr">
-              <a:lnSpc>
-                <a:spcPct val="100000"/>
-              </a:lnSpc>
-            </a:pPr>
-            <a:endParaRPr b="0" lang="en-US" sz="4000" spc="-1" strike="noStrike">
-              <a:latin typeface="Arial"/>
-            </a:endParaRPr>
-          </a:p>
-          <a:p>
-            <a:pPr algn="ctr">
-              <a:lnSpc>
-                <a:spcPct val="100000"/>
-              </a:lnSpc>
-            </a:pPr>
-            <a:endParaRPr b="0" lang="en-US" sz="4000" spc="-1" strike="noStrike">
-              <a:latin typeface="Arial"/>
-            </a:endParaRPr>
-          </a:p>
-          <a:p>
-            <a:pPr algn="ctr">
-              <a:lnSpc>
-                <a:spcPct val="100000"/>
-              </a:lnSpc>
-            </a:pPr>
-            <a:endParaRPr b="0" lang="en-US" sz="4000" spc="-1" strike="noStrike">
-              <a:latin typeface="Arial"/>
-            </a:endParaRPr>
-          </a:p>
-        </p:txBody>
-      </p:sp>
+        </p:txBody>
+      </p:sp>
+      <p:pic>
+        <p:nvPicPr>
+          <p:cNvPr id="115" name="" descr=""/>
+          <p:cNvPicPr/>
+          <p:nvPr/>
+        </p:nvPicPr>
+        <p:blipFill>
+          <a:blip r:embed="rId1"/>
+          <a:stretch/>
+        </p:blipFill>
+        <p:spPr>
+          <a:xfrm>
+            <a:off x="3566160" y="2743200"/>
+            <a:ext cx="3070080" cy="3200400"/>
+          </a:xfrm>
+          <a:prstGeom prst="rect">
+            <a:avLst/>
+          </a:prstGeom>
+          <a:ln>
+            <a:noFill/>
+          </a:ln>
+        </p:spPr>
+      </p:pic>
+      <p:pic>
+        <p:nvPicPr>
+          <p:cNvPr id="116" name="" descr=""/>
+          <p:cNvPicPr/>
+          <p:nvPr/>
+        </p:nvPicPr>
+        <p:blipFill>
+          <a:blip r:embed="rId2"/>
+          <a:stretch/>
+        </p:blipFill>
+        <p:spPr>
+          <a:xfrm>
+            <a:off x="5029200" y="687600"/>
+            <a:ext cx="4114800" cy="3335760"/>
+          </a:xfrm>
+          <a:prstGeom prst="rect">
+            <a:avLst/>
+          </a:prstGeom>
+          <a:ln>
+            <a:noFill/>
+          </a:ln>
+        </p:spPr>
+      </p:pic>
     </p:spTree>
   </p:cSld>
   <p:timing>
@@ -6426,6 +7350,134 @@
           <p:childTnLst>
             <p:seq>
               <p:cTn id="12" nodeType="mainSeq"/>
+              <p:prevCondLst>
+                <p:cond delay="0" evt="onPrev">
+                  <p:tgtEl>
+                    <p:sldTgt/>
+                  </p:tgtEl>
+                </p:cond>
+              </p:prevCondLst>
+              <p:nextCondLst>
+                <p:cond delay="0" evt="onNext">
+                  <p:tgtEl>
+                    <p:sldTgt/>
+                  </p:tgtEl>
+                </p:cond>
+              </p:nextCondLst>
+            </p:seq>
+          </p:childTnLst>
+        </p:cTn>
+      </p:par>
+    </p:tnLst>
+  </p:timing>
+</p:sld>
+</file>
+
+<file path=ppt/slides/slide7.xml><?xml version="1.0" encoding="utf-8"?>
+<p:sld xmlns:a="http://schemas.openxmlformats.org/drawingml/2006/main" xmlns:p="http://schemas.openxmlformats.org/presentationml/2006/main" xmlns:r="http://schemas.openxmlformats.org/officeDocument/2006/relationships" xmlns:p14="http://schemas.microsoft.com/office/powerpoint/2010/main" xmlns:p15="http://schemas.microsoft.com/office/powerpoint/2012/main" xmlns:mc="http://schemas.openxmlformats.org/markup-compatibility/2006">
+  <p:cSld>
+    <p:spTree>
+      <p:nvGrpSpPr>
+        <p:cNvPr id="1" name=""/>
+        <p:cNvGrpSpPr/>
+        <p:nvPr/>
+      </p:nvGrpSpPr>
+      <p:grpSpPr>
+        <a:xfrm>
+          <a:off x="0" y="0"/>
+          <a:ext cx="0" cy="0"/>
+          <a:chOff x="0" y="0"/>
+          <a:chExt cx="0" cy="0"/>
+        </a:xfrm>
+      </p:grpSpPr>
+      <p:sp>
+        <p:nvSpPr>
+          <p:cNvPr id="117" name="CustomShape 1"/>
+          <p:cNvSpPr/>
+          <p:nvPr/>
+        </p:nvSpPr>
+        <p:spPr>
+          <a:xfrm>
+            <a:off x="0" y="2052000"/>
+            <a:ext cx="9142560" cy="4355640"/>
+          </a:xfrm>
+          <a:prstGeom prst="rect">
+            <a:avLst/>
+          </a:prstGeom>
+          <a:noFill/>
+          <a:ln>
+            <a:noFill/>
+          </a:ln>
+        </p:spPr>
+        <p:style>
+          <a:lnRef idx="0"/>
+          <a:fillRef idx="0"/>
+          <a:effectRef idx="0"/>
+          <a:fontRef idx="minor"/>
+        </p:style>
+        <p:txBody>
+          <a:bodyPr lIns="90000" rIns="90000" tIns="45000" bIns="45000"/>
+          <a:p>
+            <a:pPr algn="ctr">
+              <a:lnSpc>
+                <a:spcPct val="100000"/>
+              </a:lnSpc>
+            </a:pPr>
+            <a:r>
+              <a:rPr b="1" lang="en-US" sz="4000" spc="-1" strike="noStrike">
+                <a:solidFill>
+                  <a:srgbClr val="000000"/>
+                </a:solidFill>
+                <a:latin typeface="Arial Black"/>
+                <a:ea typeface="DejaVu Sans"/>
+              </a:rPr>
+              <a:t>Ďakujem za pozornosť</a:t>
+            </a:r>
+            <a:endParaRPr b="0" lang="en-US" sz="4000" spc="-1" strike="noStrike">
+              <a:latin typeface="Arial"/>
+            </a:endParaRPr>
+          </a:p>
+          <a:p>
+            <a:pPr algn="ctr">
+              <a:lnSpc>
+                <a:spcPct val="100000"/>
+              </a:lnSpc>
+            </a:pPr>
+            <a:endParaRPr b="0" lang="en-US" sz="4000" spc="-1" strike="noStrike">
+              <a:latin typeface="Arial"/>
+            </a:endParaRPr>
+          </a:p>
+          <a:p>
+            <a:pPr algn="ctr">
+              <a:lnSpc>
+                <a:spcPct val="100000"/>
+              </a:lnSpc>
+            </a:pPr>
+            <a:r>
+              <a:rPr b="0" lang="en-US" sz="3000" spc="-1" strike="noStrike">
+                <a:solidFill>
+                  <a:srgbClr val="000000"/>
+                </a:solidFill>
+                <a:latin typeface="Arial Black"/>
+                <a:ea typeface="DejaVu Sans"/>
+              </a:rPr>
+              <a:t>xdobia11 – Roman Dobiáš</a:t>
+            </a:r>
+            <a:endParaRPr b="0" lang="en-US" sz="3000" spc="-1" strike="noStrike">
+              <a:latin typeface="Arial"/>
+            </a:endParaRPr>
+          </a:p>
+        </p:txBody>
+      </p:sp>
+    </p:spTree>
+  </p:cSld>
+  <p:timing>
+    <p:tnLst>
+      <p:par>
+        <p:cTn id="13" dur="indefinite" restart="never" nodeType="tmRoot">
+          <p:childTnLst>
+            <p:seq>
+              <p:cTn id="14" nodeType="mainSeq"/>
               <p:prevCondLst>
                 <p:cond delay="0" evt="onPrev">
                   <p:tgtEl>
@@ -6460,31 +7512,31 @@
         <a:sysClr val="window" lastClr="FFFFFF"/>
       </a:lt1>
       <a:dk2>
-        <a:srgbClr val="1F497D"/>
+        <a:srgbClr val="1f497d"/>
       </a:dk2>
       <a:lt2>
-        <a:srgbClr val="EEECE1"/>
+        <a:srgbClr val="eeece1"/>
       </a:lt2>
       <a:accent1>
-        <a:srgbClr val="4F81BD"/>
+        <a:srgbClr val="4f81bd"/>
       </a:accent1>
       <a:accent2>
-        <a:srgbClr val="C0504D"/>
+        <a:srgbClr val="c0504d"/>
       </a:accent2>
       <a:accent3>
-        <a:srgbClr val="9BBB59"/>
+        <a:srgbClr val="9bbb59"/>
       </a:accent3>
       <a:accent4>
-        <a:srgbClr val="8064A2"/>
+        <a:srgbClr val="8064a2"/>
       </a:accent4>
       <a:accent5>
-        <a:srgbClr val="4BACC6"/>
+        <a:srgbClr val="4bacc6"/>
       </a:accent5>
       <a:accent6>
-        <a:srgbClr val="F79646"/>
+        <a:srgbClr val="f79646"/>
       </a:accent6>
       <a:hlink>
-        <a:srgbClr val="0000FF"/>
+        <a:srgbClr val="0000ff"/>
       </a:hlink>
       <a:folHlink>
         <a:srgbClr val="800080"/>
@@ -6683,31 +7735,31 @@
         <a:sysClr val="window" lastClr="FFFFFF"/>
       </a:lt1>
       <a:dk2>
-        <a:srgbClr val="1F497D"/>
+        <a:srgbClr val="1f497d"/>
       </a:dk2>
       <a:lt2>
-        <a:srgbClr val="EEECE1"/>
+        <a:srgbClr val="eeece1"/>
       </a:lt2>
       <a:accent1>
-        <a:srgbClr val="4F81BD"/>
+        <a:srgbClr val="4f81bd"/>
       </a:accent1>
       <a:accent2>
-        <a:srgbClr val="C0504D"/>
+        <a:srgbClr val="c0504d"/>
       </a:accent2>
       <a:accent3>
-        <a:srgbClr val="9BBB59"/>
+        <a:srgbClr val="9bbb59"/>
       </a:accent3>
       <a:accent4>
-        <a:srgbClr val="8064A2"/>
+        <a:srgbClr val="8064a2"/>
       </a:accent4>
       <a:accent5>
-        <a:srgbClr val="4BACC6"/>
+        <a:srgbClr val="4bacc6"/>
       </a:accent5>
       <a:accent6>
-        <a:srgbClr val="F79646"/>
+        <a:srgbClr val="f79646"/>
       </a:accent6>
       <a:hlink>
-        <a:srgbClr val="0000FF"/>
+        <a:srgbClr val="0000ff"/>
       </a:hlink>
       <a:folHlink>
         <a:srgbClr val="800080"/>
@@ -6906,34 +7958,34 @@
         <a:sysClr val="window" lastClr="FFFFFF"/>
       </a:lt1>
       <a:dk2>
-        <a:srgbClr val="1F497D"/>
+        <a:srgbClr val="000000"/>
       </a:dk2>
       <a:lt2>
-        <a:srgbClr val="EEECE1"/>
+        <a:srgbClr val="000000"/>
       </a:lt2>
       <a:accent1>
-        <a:srgbClr val="4F81BD"/>
+        <a:srgbClr val="000000"/>
       </a:accent1>
       <a:accent2>
-        <a:srgbClr val="C0504D"/>
+        <a:srgbClr val="000000"/>
       </a:accent2>
       <a:accent3>
-        <a:srgbClr val="9BBB59"/>
+        <a:srgbClr val="000000"/>
       </a:accent3>
       <a:accent4>
-        <a:srgbClr val="8064A2"/>
+        <a:srgbClr val="000000"/>
       </a:accent4>
       <a:accent5>
-        <a:srgbClr val="4BACC6"/>
+        <a:srgbClr val="000000"/>
       </a:accent5>
       <a:accent6>
-        <a:srgbClr val="F79646"/>
+        <a:srgbClr val="000000"/>
       </a:accent6>
       <a:hlink>
-        <a:srgbClr val="0000FF"/>
+        <a:srgbClr val="000000"/>
       </a:hlink>
       <a:folHlink>
-        <a:srgbClr val="800080"/>
+        <a:srgbClr val="000000"/>
       </a:folHlink>
     </a:clrScheme>
     <a:fontScheme name="Office">
